--- a/Module 9_10 - Supervised - GBM_lightGBM_XGB.pptx
+++ b/Module 9_10 - Supervised - GBM_lightGBM_XGB.pptx
@@ -5,21 +5,23 @@
     <p:sldMasterId id="2147483648" r:id="rId1"/>
   </p:sldMasterIdLst>
   <p:notesMasterIdLst>
-    <p:notesMasterId r:id="rId11"/>
+    <p:notesMasterId r:id="rId13"/>
   </p:notesMasterIdLst>
   <p:handoutMasterIdLst>
-    <p:handoutMasterId r:id="rId12"/>
+    <p:handoutMasterId r:id="rId14"/>
   </p:handoutMasterIdLst>
   <p:sldIdLst>
     <p:sldId id="256" r:id="rId2"/>
-    <p:sldId id="257" r:id="rId3"/>
-    <p:sldId id="265" r:id="rId4"/>
-    <p:sldId id="262" r:id="rId5"/>
-    <p:sldId id="260" r:id="rId6"/>
-    <p:sldId id="266" r:id="rId7"/>
-    <p:sldId id="263" r:id="rId8"/>
-    <p:sldId id="264" r:id="rId9"/>
-    <p:sldId id="259" r:id="rId10"/>
+    <p:sldId id="265" r:id="rId3"/>
+    <p:sldId id="268" r:id="rId4"/>
+    <p:sldId id="274" r:id="rId5"/>
+    <p:sldId id="275" r:id="rId6"/>
+    <p:sldId id="272" r:id="rId7"/>
+    <p:sldId id="269" r:id="rId8"/>
+    <p:sldId id="271" r:id="rId9"/>
+    <p:sldId id="266" r:id="rId10"/>
+    <p:sldId id="267" r:id="rId11"/>
+    <p:sldId id="259" r:id="rId12"/>
   </p:sldIdLst>
   <p:sldSz cx="12192000" cy="6858000"/>
   <p:notesSz cx="6858000" cy="9144000"/>
@@ -222,7 +224,7 @@
           <a:p>
             <a:fld id="{34475077-A074-4E8C-B45E-964494945228}" type="datetimeFigureOut">
               <a:rPr lang="en-US"/>
-              <a:t>4/10/18</a:t>
+              <a:t>7/24/18</a:t>
             </a:fld>
             <a:endParaRPr/>
           </a:p>
@@ -387,7 +389,7 @@
           <a:p>
             <a:fld id="{6A2B48A4-4B96-49F4-8C25-4C9D06114B2C}" type="datetimeFigureOut">
               <a:rPr lang="en-US"/>
-              <a:t>4/10/18</a:t>
+              <a:t>7/24/18</a:t>
             </a:fld>
             <a:endParaRPr/>
           </a:p>
@@ -693,354 +695,6 @@
           <a:bodyPr/>
           <a:lstStyle/>
           <a:p>
-            <a:r>
-              <a:rPr lang="en-US" dirty="0"/>
-              <a:t>This is the question that your experiment answers</a:t>
-            </a:r>
-          </a:p>
-        </p:txBody>
-      </p:sp>
-      <p:sp>
-        <p:nvSpPr>
-          <p:cNvPr id="4" name="Slide Number Placeholder 3"/>
-          <p:cNvSpPr>
-            <a:spLocks noGrp="1"/>
-          </p:cNvSpPr>
-          <p:nvPr>
-            <p:ph type="sldNum" sz="quarter" idx="10"/>
-          </p:nvPr>
-        </p:nvSpPr>
-        <p:spPr/>
-        <p:txBody>
-          <a:bodyPr/>
-          <a:lstStyle/>
-          <a:p>
-            <a:fld id="{5D81F1E7-4EFD-4BFF-B438-FCD52FD36B17}" type="slidenum">
-              <a:rPr lang="en-US" smtClean="0"/>
-              <a:t>2</a:t>
-            </a:fld>
-            <a:endParaRPr lang="en-US"/>
-          </a:p>
-        </p:txBody>
-      </p:sp>
-    </p:spTree>
-    <p:extLst>
-      <p:ext uri="{BB962C8B-B14F-4D97-AF65-F5344CB8AC3E}">
-        <p14:creationId xmlns:p14="http://schemas.microsoft.com/office/powerpoint/2010/main" val="1514829963"/>
-      </p:ext>
-    </p:extLst>
-  </p:cSld>
-  <p:clrMapOvr>
-    <a:masterClrMapping/>
-  </p:clrMapOvr>
-</p:notes>
-</file>
-
-<file path=ppt/notesSlides/notesSlide2.xml><?xml version="1.0" encoding="utf-8"?>
-<p:notes xmlns:a="http://schemas.openxmlformats.org/drawingml/2006/main" xmlns:r="http://schemas.openxmlformats.org/officeDocument/2006/relationships" xmlns:p="http://schemas.openxmlformats.org/presentationml/2006/main">
-  <p:cSld>
-    <p:spTree>
-      <p:nvGrpSpPr>
-        <p:cNvPr id="1" name=""/>
-        <p:cNvGrpSpPr/>
-        <p:nvPr/>
-      </p:nvGrpSpPr>
-      <p:grpSpPr>
-        <a:xfrm>
-          <a:off x="0" y="0"/>
-          <a:ext cx="0" cy="0"/>
-          <a:chOff x="0" y="0"/>
-          <a:chExt cx="0" cy="0"/>
-        </a:xfrm>
-      </p:grpSpPr>
-      <p:sp>
-        <p:nvSpPr>
-          <p:cNvPr id="2" name="Slide Image Placeholder 1"/>
-          <p:cNvSpPr>
-            <a:spLocks noGrp="1" noRot="1" noChangeAspect="1"/>
-          </p:cNvSpPr>
-          <p:nvPr>
-            <p:ph type="sldImg"/>
-          </p:nvPr>
-        </p:nvSpPr>
-        <p:spPr/>
-      </p:sp>
-      <p:sp>
-        <p:nvSpPr>
-          <p:cNvPr id="3" name="Notes Placeholder 2"/>
-          <p:cNvSpPr>
-            <a:spLocks noGrp="1"/>
-          </p:cNvSpPr>
-          <p:nvPr>
-            <p:ph type="body" idx="1"/>
-          </p:nvPr>
-        </p:nvSpPr>
-        <p:spPr/>
-        <p:txBody>
-          <a:bodyPr/>
-          <a:lstStyle/>
-          <a:p>
-            <a:r>
-              <a:rPr lang="en-US" dirty="0"/>
-              <a:t>This is the question that your experiment answers</a:t>
-            </a:r>
-          </a:p>
-        </p:txBody>
-      </p:sp>
-      <p:sp>
-        <p:nvSpPr>
-          <p:cNvPr id="4" name="Slide Number Placeholder 3"/>
-          <p:cNvSpPr>
-            <a:spLocks noGrp="1"/>
-          </p:cNvSpPr>
-          <p:nvPr>
-            <p:ph type="sldNum" sz="quarter" idx="10"/>
-          </p:nvPr>
-        </p:nvSpPr>
-        <p:spPr/>
-        <p:txBody>
-          <a:bodyPr/>
-          <a:lstStyle/>
-          <a:p>
-            <a:fld id="{5D81F1E7-4EFD-4BFF-B438-FCD52FD36B17}" type="slidenum">
-              <a:rPr lang="en-US" smtClean="0"/>
-              <a:t>4</a:t>
-            </a:fld>
-            <a:endParaRPr lang="en-US"/>
-          </a:p>
-        </p:txBody>
-      </p:sp>
-    </p:spTree>
-    <p:extLst>
-      <p:ext uri="{BB962C8B-B14F-4D97-AF65-F5344CB8AC3E}">
-        <p14:creationId xmlns:p14="http://schemas.microsoft.com/office/powerpoint/2010/main" val="3432773837"/>
-      </p:ext>
-    </p:extLst>
-  </p:cSld>
-  <p:clrMapOvr>
-    <a:masterClrMapping/>
-  </p:clrMapOvr>
-</p:notes>
-</file>
-
-<file path=ppt/notesSlides/notesSlide3.xml><?xml version="1.0" encoding="utf-8"?>
-<p:notes xmlns:a="http://schemas.openxmlformats.org/drawingml/2006/main" xmlns:r="http://schemas.openxmlformats.org/officeDocument/2006/relationships" xmlns:p="http://schemas.openxmlformats.org/presentationml/2006/main">
-  <p:cSld>
-    <p:spTree>
-      <p:nvGrpSpPr>
-        <p:cNvPr id="1" name=""/>
-        <p:cNvGrpSpPr/>
-        <p:nvPr/>
-      </p:nvGrpSpPr>
-      <p:grpSpPr>
-        <a:xfrm>
-          <a:off x="0" y="0"/>
-          <a:ext cx="0" cy="0"/>
-          <a:chOff x="0" y="0"/>
-          <a:chExt cx="0" cy="0"/>
-        </a:xfrm>
-      </p:grpSpPr>
-      <p:sp>
-        <p:nvSpPr>
-          <p:cNvPr id="2" name="Slide Image Placeholder 1"/>
-          <p:cNvSpPr>
-            <a:spLocks noGrp="1" noRot="1" noChangeAspect="1"/>
-          </p:cNvSpPr>
-          <p:nvPr>
-            <p:ph type="sldImg"/>
-          </p:nvPr>
-        </p:nvSpPr>
-        <p:spPr/>
-      </p:sp>
-      <p:sp>
-        <p:nvSpPr>
-          <p:cNvPr id="3" name="Notes Placeholder 2"/>
-          <p:cNvSpPr>
-            <a:spLocks noGrp="1"/>
-          </p:cNvSpPr>
-          <p:nvPr>
-            <p:ph type="body" idx="1"/>
-          </p:nvPr>
-        </p:nvSpPr>
-        <p:spPr/>
-        <p:txBody>
-          <a:bodyPr/>
-          <a:lstStyle/>
-          <a:p>
-            <a:r>
-              <a:rPr lang="en-US" dirty="0"/>
-              <a:t>This is the question that your experiment answers</a:t>
-            </a:r>
-          </a:p>
-        </p:txBody>
-      </p:sp>
-      <p:sp>
-        <p:nvSpPr>
-          <p:cNvPr id="4" name="Slide Number Placeholder 3"/>
-          <p:cNvSpPr>
-            <a:spLocks noGrp="1"/>
-          </p:cNvSpPr>
-          <p:nvPr>
-            <p:ph type="sldNum" sz="quarter" idx="10"/>
-          </p:nvPr>
-        </p:nvSpPr>
-        <p:spPr/>
-        <p:txBody>
-          <a:bodyPr/>
-          <a:lstStyle/>
-          <a:p>
-            <a:fld id="{5D81F1E7-4EFD-4BFF-B438-FCD52FD36B17}" type="slidenum">
-              <a:rPr lang="en-US" smtClean="0"/>
-              <a:t>7</a:t>
-            </a:fld>
-            <a:endParaRPr lang="en-US"/>
-          </a:p>
-        </p:txBody>
-      </p:sp>
-    </p:spTree>
-    <p:extLst>
-      <p:ext uri="{BB962C8B-B14F-4D97-AF65-F5344CB8AC3E}">
-        <p14:creationId xmlns:p14="http://schemas.microsoft.com/office/powerpoint/2010/main" val="904008565"/>
-      </p:ext>
-    </p:extLst>
-  </p:cSld>
-  <p:clrMapOvr>
-    <a:masterClrMapping/>
-  </p:clrMapOvr>
-</p:notes>
-</file>
-
-<file path=ppt/notesSlides/notesSlide4.xml><?xml version="1.0" encoding="utf-8"?>
-<p:notes xmlns:a="http://schemas.openxmlformats.org/drawingml/2006/main" xmlns:r="http://schemas.openxmlformats.org/officeDocument/2006/relationships" xmlns:p="http://schemas.openxmlformats.org/presentationml/2006/main">
-  <p:cSld>
-    <p:spTree>
-      <p:nvGrpSpPr>
-        <p:cNvPr id="1" name=""/>
-        <p:cNvGrpSpPr/>
-        <p:nvPr/>
-      </p:nvGrpSpPr>
-      <p:grpSpPr>
-        <a:xfrm>
-          <a:off x="0" y="0"/>
-          <a:ext cx="0" cy="0"/>
-          <a:chOff x="0" y="0"/>
-          <a:chExt cx="0" cy="0"/>
-        </a:xfrm>
-      </p:grpSpPr>
-      <p:sp>
-        <p:nvSpPr>
-          <p:cNvPr id="2" name="Slide Image Placeholder 1"/>
-          <p:cNvSpPr>
-            <a:spLocks noGrp="1" noRot="1" noChangeAspect="1"/>
-          </p:cNvSpPr>
-          <p:nvPr>
-            <p:ph type="sldImg"/>
-          </p:nvPr>
-        </p:nvSpPr>
-        <p:spPr/>
-      </p:sp>
-      <p:sp>
-        <p:nvSpPr>
-          <p:cNvPr id="3" name="Notes Placeholder 2"/>
-          <p:cNvSpPr>
-            <a:spLocks noGrp="1"/>
-          </p:cNvSpPr>
-          <p:nvPr>
-            <p:ph type="body" idx="1"/>
-          </p:nvPr>
-        </p:nvSpPr>
-        <p:spPr/>
-        <p:txBody>
-          <a:bodyPr/>
-          <a:lstStyle/>
-          <a:p>
-            <a:r>
-              <a:rPr lang="en-US" dirty="0"/>
-              <a:t>This is the question that your experiment answers</a:t>
-            </a:r>
-          </a:p>
-        </p:txBody>
-      </p:sp>
-      <p:sp>
-        <p:nvSpPr>
-          <p:cNvPr id="4" name="Slide Number Placeholder 3"/>
-          <p:cNvSpPr>
-            <a:spLocks noGrp="1"/>
-          </p:cNvSpPr>
-          <p:nvPr>
-            <p:ph type="sldNum" sz="quarter" idx="10"/>
-          </p:nvPr>
-        </p:nvSpPr>
-        <p:spPr/>
-        <p:txBody>
-          <a:bodyPr/>
-          <a:lstStyle/>
-          <a:p>
-            <a:fld id="{5D81F1E7-4EFD-4BFF-B438-FCD52FD36B17}" type="slidenum">
-              <a:rPr lang="en-US" smtClean="0"/>
-              <a:t>8</a:t>
-            </a:fld>
-            <a:endParaRPr lang="en-US"/>
-          </a:p>
-        </p:txBody>
-      </p:sp>
-    </p:spTree>
-    <p:extLst>
-      <p:ext uri="{BB962C8B-B14F-4D97-AF65-F5344CB8AC3E}">
-        <p14:creationId xmlns:p14="http://schemas.microsoft.com/office/powerpoint/2010/main" val="3259577365"/>
-      </p:ext>
-    </p:extLst>
-  </p:cSld>
-  <p:clrMapOvr>
-    <a:masterClrMapping/>
-  </p:clrMapOvr>
-</p:notes>
-</file>
-
-<file path=ppt/notesSlides/notesSlide5.xml><?xml version="1.0" encoding="utf-8"?>
-<p:notes xmlns:a="http://schemas.openxmlformats.org/drawingml/2006/main" xmlns:r="http://schemas.openxmlformats.org/officeDocument/2006/relationships" xmlns:p="http://schemas.openxmlformats.org/presentationml/2006/main">
-  <p:cSld>
-    <p:spTree>
-      <p:nvGrpSpPr>
-        <p:cNvPr id="1" name=""/>
-        <p:cNvGrpSpPr/>
-        <p:nvPr/>
-      </p:nvGrpSpPr>
-      <p:grpSpPr>
-        <a:xfrm>
-          <a:off x="0" y="0"/>
-          <a:ext cx="0" cy="0"/>
-          <a:chOff x="0" y="0"/>
-          <a:chExt cx="0" cy="0"/>
-        </a:xfrm>
-      </p:grpSpPr>
-      <p:sp>
-        <p:nvSpPr>
-          <p:cNvPr id="2" name="Slide Image Placeholder 1"/>
-          <p:cNvSpPr>
-            <a:spLocks noGrp="1" noRot="1" noChangeAspect="1"/>
-          </p:cNvSpPr>
-          <p:nvPr>
-            <p:ph type="sldImg"/>
-          </p:nvPr>
-        </p:nvSpPr>
-        <p:spPr/>
-      </p:sp>
-      <p:sp>
-        <p:nvSpPr>
-          <p:cNvPr id="3" name="Notes Placeholder 2"/>
-          <p:cNvSpPr>
-            <a:spLocks noGrp="1"/>
-          </p:cNvSpPr>
-          <p:nvPr>
-            <p:ph type="body" idx="1"/>
-          </p:nvPr>
-        </p:nvSpPr>
-        <p:spPr/>
-        <p:txBody>
-          <a:bodyPr/>
-          <a:lstStyle/>
-          <a:p>
             <a:pPr marL="0" marR="0" indent="0" algn="l" defTabSz="914400" rtl="0" eaLnBrk="1" fontAlgn="auto" latinLnBrk="0" hangingPunct="1">
               <a:lnSpc>
                 <a:spcPct val="100000"/>
@@ -1090,7 +744,7 @@
           <a:p>
             <a:fld id="{5D81F1E7-4EFD-4BFF-B438-FCD52FD36B17}" type="slidenum">
               <a:rPr lang="en-US" smtClean="0"/>
-              <a:t>9</a:t>
+              <a:t>11</a:t>
             </a:fld>
             <a:endParaRPr lang="en-US"/>
           </a:p>
@@ -1520,7 +1174,7 @@
           <a:p>
             <a:fld id="{0402902D-A5F5-4D7D-AAA7-32469BA0BC4D}" type="datetimeFigureOut">
               <a:rPr lang="en-US"/>
-              <a:t>4/10/18</a:t>
+              <a:t>7/24/18</a:t>
             </a:fld>
             <a:endParaRPr/>
           </a:p>
@@ -1791,7 +1445,7 @@
           <a:p>
             <a:fld id="{0402902D-A5F5-4D7D-AAA7-32469BA0BC4D}" type="datetimeFigureOut">
               <a:rPr lang="en-US"/>
-              <a:t>4/10/18</a:t>
+              <a:t>7/24/18</a:t>
             </a:fld>
             <a:endParaRPr/>
           </a:p>
@@ -1973,7 +1627,7 @@
           <a:p>
             <a:fld id="{0402902D-A5F5-4D7D-AAA7-32469BA0BC4D}" type="datetimeFigureOut">
               <a:rPr lang="en-US"/>
-              <a:t>4/10/18</a:t>
+              <a:t>7/24/18</a:t>
             </a:fld>
             <a:endParaRPr/>
           </a:p>
@@ -2560,7 +2214,7 @@
           <a:p>
             <a:fld id="{0402902D-A5F5-4D7D-AAA7-32469BA0BC4D}" type="datetimeFigureOut">
               <a:rPr lang="en-US"/>
-              <a:t>4/10/18</a:t>
+              <a:t>7/24/18</a:t>
             </a:fld>
             <a:endParaRPr/>
           </a:p>
@@ -3008,7 +2662,7 @@
           <a:p>
             <a:fld id="{0402902D-A5F5-4D7D-AAA7-32469BA0BC4D}" type="datetimeFigureOut">
               <a:rPr lang="en-US"/>
-              <a:t>4/10/18</a:t>
+              <a:t>7/24/18</a:t>
             </a:fld>
             <a:endParaRPr/>
           </a:p>
@@ -3138,7 +2792,7 @@
           <a:p>
             <a:fld id="{0402902D-A5F5-4D7D-AAA7-32469BA0BC4D}" type="datetimeFigureOut">
               <a:rPr lang="en-US"/>
-              <a:t>4/10/18</a:t>
+              <a:t>7/24/18</a:t>
             </a:fld>
             <a:endParaRPr/>
           </a:p>
@@ -3245,7 +2899,7 @@
           <a:p>
             <a:fld id="{0402902D-A5F5-4D7D-AAA7-32469BA0BC4D}" type="datetimeFigureOut">
               <a:rPr lang="en-US"/>
-              <a:t>4/10/18</a:t>
+              <a:t>7/24/18</a:t>
             </a:fld>
             <a:endParaRPr dirty="0"/>
           </a:p>
@@ -4217,7 +3871,7 @@
             <a:fld id="{0402902D-A5F5-4D7D-AAA7-32469BA0BC4D}" type="datetimeFigureOut">
               <a:rPr lang="en-US"/>
               <a:pPr/>
-              <a:t>4/10/18</a:t>
+              <a:t>7/24/18</a:t>
             </a:fld>
             <a:endParaRPr dirty="0"/>
           </a:p>
@@ -4609,8 +4263,21 @@
           <a:p>
             <a:r>
               <a:rPr lang="en-US" dirty="0"/>
-              <a:t>GRADIENT BOOSTING</a:t>
-            </a:r>
+              <a:t>GBM vs. </a:t>
+            </a:r>
+            <a:r>
+              <a:rPr lang="en-US" dirty="0" err="1"/>
+              <a:t>XGBoost</a:t>
+            </a:r>
+            <a:r>
+              <a:rPr lang="en-US" dirty="0"/>
+              <a:t> vs. </a:t>
+            </a:r>
+            <a:r>
+              <a:rPr lang="en-US" dirty="0" err="1"/>
+              <a:t>LightGBM</a:t>
+            </a:r>
+            <a:endParaRPr lang="en-US" dirty="0"/>
           </a:p>
         </p:txBody>
       </p:sp>
@@ -4646,6 +4313,401 @@
     <p:extLst>
       <p:ext uri="{BB962C8B-B14F-4D97-AF65-F5344CB8AC3E}">
         <p14:creationId xmlns:p14="http://schemas.microsoft.com/office/powerpoint/2010/main" val="1420781873"/>
+      </p:ext>
+    </p:extLst>
+  </p:cSld>
+  <p:clrMapOvr>
+    <a:masterClrMapping/>
+  </p:clrMapOvr>
+  <mc:AlternateContent xmlns:mc="http://schemas.openxmlformats.org/markup-compatibility/2006" xmlns:p14="http://schemas.microsoft.com/office/powerpoint/2010/main">
+    <mc:Choice Requires="p14">
+      <p:transition spd="med" p14:dur="700">
+        <p:fade/>
+      </p:transition>
+    </mc:Choice>
+    <mc:Fallback xmlns="">
+      <p:transition spd="med">
+        <p:fade/>
+      </p:transition>
+    </mc:Fallback>
+  </mc:AlternateContent>
+</p:sld>
+</file>
+
+<file path=ppt/slides/slide10.xml><?xml version="1.0" encoding="utf-8"?>
+<p:sld xmlns:a="http://schemas.openxmlformats.org/drawingml/2006/main" xmlns:r="http://schemas.openxmlformats.org/officeDocument/2006/relationships" xmlns:p="http://schemas.openxmlformats.org/presentationml/2006/main">
+  <p:cSld>
+    <p:spTree>
+      <p:nvGrpSpPr>
+        <p:cNvPr id="1" name=""/>
+        <p:cNvGrpSpPr/>
+        <p:nvPr/>
+      </p:nvGrpSpPr>
+      <p:grpSpPr>
+        <a:xfrm>
+          <a:off x="0" y="0"/>
+          <a:ext cx="0" cy="0"/>
+          <a:chOff x="0" y="0"/>
+          <a:chExt cx="0" cy="0"/>
+        </a:xfrm>
+      </p:grpSpPr>
+      <p:sp>
+        <p:nvSpPr>
+          <p:cNvPr id="2" name="Title 1">
+            <a:extLst>
+              <a:ext uri="{FF2B5EF4-FFF2-40B4-BE49-F238E27FC236}">
+                <a16:creationId xmlns:a16="http://schemas.microsoft.com/office/drawing/2014/main" id="{48A645CD-0C11-594F-971B-450DBE9590BE}"/>
+              </a:ext>
+            </a:extLst>
+          </p:cNvPr>
+          <p:cNvSpPr>
+            <a:spLocks noGrp="1"/>
+          </p:cNvSpPr>
+          <p:nvPr>
+            <p:ph type="title"/>
+          </p:nvPr>
+        </p:nvSpPr>
+        <p:spPr/>
+        <p:txBody>
+          <a:bodyPr/>
+          <a:lstStyle/>
+          <a:p>
+            <a:r>
+              <a:rPr lang="en-US" dirty="0" err="1"/>
+              <a:t>LightGBM</a:t>
+            </a:r>
+            <a:endParaRPr lang="en-US" dirty="0"/>
+          </a:p>
+        </p:txBody>
+      </p:sp>
+      <p:sp>
+        <p:nvSpPr>
+          <p:cNvPr id="3" name="Content Placeholder 2">
+            <a:extLst>
+              <a:ext uri="{FF2B5EF4-FFF2-40B4-BE49-F238E27FC236}">
+                <a16:creationId xmlns:a16="http://schemas.microsoft.com/office/drawing/2014/main" id="{C0E2CF06-5A5B-5F40-B028-FD6C5A8EBF35}"/>
+              </a:ext>
+            </a:extLst>
+          </p:cNvPr>
+          <p:cNvSpPr>
+            <a:spLocks noGrp="1"/>
+          </p:cNvSpPr>
+          <p:nvPr>
+            <p:ph idx="1"/>
+          </p:nvPr>
+        </p:nvSpPr>
+        <p:spPr>
+          <a:xfrm>
+            <a:off x="1066800" y="1714500"/>
+            <a:ext cx="10058400" cy="1835524"/>
+          </a:xfrm>
+        </p:spPr>
+        <p:txBody>
+          <a:bodyPr/>
+          <a:lstStyle/>
+          <a:p>
+            <a:r>
+              <a:rPr lang="en-US" sz="2400" dirty="0"/>
+              <a:t>Leaf-wise to get higher level of accuracy</a:t>
+            </a:r>
+          </a:p>
+          <a:p>
+            <a:r>
+              <a:rPr lang="en-US" sz="2400" dirty="0"/>
+              <a:t>Tend to over-fit when data size is small</a:t>
+            </a:r>
+          </a:p>
+          <a:p>
+            <a:r>
+              <a:rPr lang="en-US" sz="2400" dirty="0"/>
+              <a:t>Use parameter </a:t>
+            </a:r>
+            <a:r>
+              <a:rPr lang="en-US" sz="2400" dirty="0" err="1"/>
+              <a:t>max_depth</a:t>
+            </a:r>
+            <a:r>
+              <a:rPr lang="en-US" sz="2400" dirty="0"/>
+              <a:t> to limit the depth of tree &lt;=3</a:t>
+            </a:r>
+          </a:p>
+          <a:p>
+            <a:endParaRPr lang="en-US" dirty="0"/>
+          </a:p>
+        </p:txBody>
+      </p:sp>
+      <p:pic>
+        <p:nvPicPr>
+          <p:cNvPr id="4" name="Picture 3">
+            <a:extLst>
+              <a:ext uri="{FF2B5EF4-FFF2-40B4-BE49-F238E27FC236}">
+                <a16:creationId xmlns:a16="http://schemas.microsoft.com/office/drawing/2014/main" id="{661E1194-0956-B040-923D-D141ED0403B1}"/>
+              </a:ext>
+            </a:extLst>
+          </p:cNvPr>
+          <p:cNvPicPr>
+            <a:picLocks noChangeAspect="1"/>
+          </p:cNvPicPr>
+          <p:nvPr/>
+        </p:nvPicPr>
+        <p:blipFill>
+          <a:blip r:embed="rId2"/>
+          <a:stretch>
+            <a:fillRect/>
+          </a:stretch>
+        </p:blipFill>
+        <p:spPr>
+          <a:xfrm>
+            <a:off x="99687" y="4415238"/>
+            <a:ext cx="5518361" cy="2185124"/>
+          </a:xfrm>
+          <a:prstGeom prst="rect">
+            <a:avLst/>
+          </a:prstGeom>
+          <a:ln>
+            <a:solidFill>
+              <a:schemeClr val="accent1"/>
+            </a:solidFill>
+          </a:ln>
+        </p:spPr>
+      </p:pic>
+      <p:pic>
+        <p:nvPicPr>
+          <p:cNvPr id="5" name="Picture 4">
+            <a:extLst>
+              <a:ext uri="{FF2B5EF4-FFF2-40B4-BE49-F238E27FC236}">
+                <a16:creationId xmlns:a16="http://schemas.microsoft.com/office/drawing/2014/main" id="{69F54D0C-4B56-6144-B8DB-59ADA57D8586}"/>
+              </a:ext>
+            </a:extLst>
+          </p:cNvPr>
+          <p:cNvPicPr>
+            <a:picLocks noChangeAspect="1"/>
+          </p:cNvPicPr>
+          <p:nvPr/>
+        </p:nvPicPr>
+        <p:blipFill>
+          <a:blip r:embed="rId3"/>
+          <a:stretch>
+            <a:fillRect/>
+          </a:stretch>
+        </p:blipFill>
+        <p:spPr>
+          <a:xfrm>
+            <a:off x="5784853" y="4415239"/>
+            <a:ext cx="6293484" cy="2185124"/>
+          </a:xfrm>
+          <a:prstGeom prst="rect">
+            <a:avLst/>
+          </a:prstGeom>
+          <a:ln>
+            <a:solidFill>
+              <a:schemeClr val="accent1">
+                <a:lumMod val="60000"/>
+                <a:lumOff val="40000"/>
+              </a:schemeClr>
+            </a:solidFill>
+          </a:ln>
+        </p:spPr>
+      </p:pic>
+      <p:sp>
+        <p:nvSpPr>
+          <p:cNvPr id="6" name="TextBox 5">
+            <a:extLst>
+              <a:ext uri="{FF2B5EF4-FFF2-40B4-BE49-F238E27FC236}">
+                <a16:creationId xmlns:a16="http://schemas.microsoft.com/office/drawing/2014/main" id="{60226030-8784-754A-8BC2-97E6B7A39EC2}"/>
+              </a:ext>
+            </a:extLst>
+          </p:cNvPr>
+          <p:cNvSpPr txBox="1"/>
+          <p:nvPr/>
+        </p:nvSpPr>
+        <p:spPr>
+          <a:xfrm>
+            <a:off x="99687" y="3883238"/>
+            <a:ext cx="5518361" cy="523220"/>
+          </a:xfrm>
+          <a:prstGeom prst="rect">
+            <a:avLst/>
+          </a:prstGeom>
+          <a:solidFill>
+            <a:schemeClr val="accent1">
+              <a:lumMod val="60000"/>
+              <a:lumOff val="40000"/>
+            </a:schemeClr>
+          </a:solidFill>
+        </p:spPr>
+        <p:txBody>
+          <a:bodyPr wrap="square" rtlCol="0">
+            <a:spAutoFit/>
+          </a:bodyPr>
+          <a:lstStyle/>
+          <a:p>
+            <a:pPr algn="ctr"/>
+            <a:r>
+              <a:rPr lang="en-US" sz="2800" dirty="0">
+                <a:solidFill>
+                  <a:schemeClr val="bg1"/>
+                </a:solidFill>
+              </a:rPr>
+              <a:t>Level-wise tree growth</a:t>
+            </a:r>
+          </a:p>
+        </p:txBody>
+      </p:sp>
+      <p:sp>
+        <p:nvSpPr>
+          <p:cNvPr id="7" name="TextBox 6">
+            <a:extLst>
+              <a:ext uri="{FF2B5EF4-FFF2-40B4-BE49-F238E27FC236}">
+                <a16:creationId xmlns:a16="http://schemas.microsoft.com/office/drawing/2014/main" id="{C5502098-DA2E-0E44-B5BB-A180675B53DA}"/>
+              </a:ext>
+            </a:extLst>
+          </p:cNvPr>
+          <p:cNvSpPr txBox="1"/>
+          <p:nvPr/>
+        </p:nvSpPr>
+        <p:spPr>
+          <a:xfrm>
+            <a:off x="5784853" y="3890590"/>
+            <a:ext cx="6293484" cy="523220"/>
+          </a:xfrm>
+          <a:prstGeom prst="rect">
+            <a:avLst/>
+          </a:prstGeom>
+          <a:solidFill>
+            <a:schemeClr val="accent1">
+              <a:lumMod val="60000"/>
+              <a:lumOff val="40000"/>
+            </a:schemeClr>
+          </a:solidFill>
+        </p:spPr>
+        <p:txBody>
+          <a:bodyPr wrap="square" rtlCol="0">
+            <a:spAutoFit/>
+          </a:bodyPr>
+          <a:lstStyle/>
+          <a:p>
+            <a:pPr algn="ctr"/>
+            <a:r>
+              <a:rPr lang="en-US" sz="2800" dirty="0">
+                <a:solidFill>
+                  <a:schemeClr val="bg1"/>
+                </a:solidFill>
+              </a:rPr>
+              <a:t>Leaf-wise tree growth</a:t>
+            </a:r>
+          </a:p>
+        </p:txBody>
+      </p:sp>
+    </p:spTree>
+    <p:extLst>
+      <p:ext uri="{BB962C8B-B14F-4D97-AF65-F5344CB8AC3E}">
+        <p14:creationId xmlns:p14="http://schemas.microsoft.com/office/powerpoint/2010/main" val="3820782847"/>
+      </p:ext>
+    </p:extLst>
+  </p:cSld>
+  <p:clrMapOvr>
+    <a:masterClrMapping/>
+  </p:clrMapOvr>
+  <mc:AlternateContent xmlns:mc="http://schemas.openxmlformats.org/markup-compatibility/2006" xmlns:p14="http://schemas.microsoft.com/office/powerpoint/2010/main">
+    <mc:Choice Requires="p14">
+      <p:transition spd="med" p14:dur="700">
+        <p:fade/>
+      </p:transition>
+    </mc:Choice>
+    <mc:Fallback xmlns="">
+      <p:transition spd="med">
+        <p:fade/>
+      </p:transition>
+    </mc:Fallback>
+  </mc:AlternateContent>
+</p:sld>
+</file>
+
+<file path=ppt/slides/slide11.xml><?xml version="1.0" encoding="utf-8"?>
+<p:sld xmlns:a="http://schemas.openxmlformats.org/drawingml/2006/main" xmlns:r="http://schemas.openxmlformats.org/officeDocument/2006/relationships" xmlns:p="http://schemas.openxmlformats.org/presentationml/2006/main">
+  <p:cSld>
+    <p:spTree>
+      <p:nvGrpSpPr>
+        <p:cNvPr id="1" name=""/>
+        <p:cNvGrpSpPr/>
+        <p:nvPr/>
+      </p:nvGrpSpPr>
+      <p:grpSpPr>
+        <a:xfrm>
+          <a:off x="0" y="0"/>
+          <a:ext cx="0" cy="0"/>
+          <a:chOff x="0" y="0"/>
+          <a:chExt cx="0" cy="0"/>
+        </a:xfrm>
+      </p:grpSpPr>
+      <p:sp>
+        <p:nvSpPr>
+          <p:cNvPr id="2" name="Title 1"/>
+          <p:cNvSpPr>
+            <a:spLocks noGrp="1"/>
+          </p:cNvSpPr>
+          <p:nvPr>
+            <p:ph type="title"/>
+          </p:nvPr>
+        </p:nvSpPr>
+        <p:spPr/>
+        <p:txBody>
+          <a:bodyPr/>
+          <a:lstStyle/>
+          <a:p>
+            <a:r>
+              <a:rPr lang="en-US" dirty="0"/>
+              <a:t>Work cited</a:t>
+            </a:r>
+          </a:p>
+        </p:txBody>
+      </p:sp>
+      <p:sp>
+        <p:nvSpPr>
+          <p:cNvPr id="3" name="Content Placeholder 2"/>
+          <p:cNvSpPr>
+            <a:spLocks noGrp="1"/>
+          </p:cNvSpPr>
+          <p:nvPr>
+            <p:ph idx="1"/>
+          </p:nvPr>
+        </p:nvSpPr>
+        <p:spPr>
+          <a:xfrm>
+            <a:off x="954827" y="1681531"/>
+            <a:ext cx="10058400" cy="1543807"/>
+          </a:xfrm>
+        </p:spPr>
+        <p:txBody>
+          <a:bodyPr/>
+          <a:lstStyle/>
+          <a:p>
+            <a:r>
+              <a:rPr lang="en-US" dirty="0" err="1"/>
+              <a:t>Autoencoders</a:t>
+            </a:r>
+            <a:r>
+              <a:rPr lang="en-US" dirty="0"/>
+              <a:t> were first introduced in the 1980s by </a:t>
+            </a:r>
+            <a:r>
+              <a:rPr lang="en-US" dirty="0">
+                <a:hlinkClick r:id="rId3"/>
+              </a:rPr>
+              <a:t>Hinton</a:t>
+            </a:r>
+            <a:r>
+              <a:rPr lang="en-US" dirty="0"/>
+              <a:t>. </a:t>
+            </a:r>
+          </a:p>
+        </p:txBody>
+      </p:sp>
+    </p:spTree>
+    <p:extLst>
+      <p:ext uri="{BB962C8B-B14F-4D97-AF65-F5344CB8AC3E}">
+        <p14:creationId xmlns:p14="http://schemas.microsoft.com/office/powerpoint/2010/main" val="2325154954"/>
       </p:ext>
     </p:extLst>
   </p:cSld>
@@ -4686,7 +4748,13 @@
       </p:grpSpPr>
       <p:sp>
         <p:nvSpPr>
-          <p:cNvPr id="2" name="Title 1"/>
+          <p:cNvPr id="2" name="Title 1">
+            <a:extLst>
+              <a:ext uri="{FF2B5EF4-FFF2-40B4-BE49-F238E27FC236}">
+                <a16:creationId xmlns:a16="http://schemas.microsoft.com/office/drawing/2014/main" id="{DBEB9C24-7F7E-974C-BF75-DC6150AC74CC}"/>
+              </a:ext>
+            </a:extLst>
+          </p:cNvPr>
           <p:cNvSpPr>
             <a:spLocks noGrp="1"/>
           </p:cNvSpPr>
@@ -4701,43 +4769,569 @@
           <a:p>
             <a:r>
               <a:rPr lang="en-US" dirty="0"/>
-              <a:t>What is GBM?</a:t>
-            </a:r>
+              <a:t>GBM vs. XGB vs. </a:t>
+            </a:r>
+            <a:r>
+              <a:rPr lang="en-US" dirty="0" err="1"/>
+              <a:t>LightGBM</a:t>
+            </a:r>
+            <a:endParaRPr lang="en-US" dirty="0"/>
           </a:p>
         </p:txBody>
       </p:sp>
-      <p:sp>
-        <p:nvSpPr>
-          <p:cNvPr id="3" name="Text Placeholder 2"/>
-          <p:cNvSpPr>
-            <a:spLocks noGrp="1"/>
-          </p:cNvSpPr>
+      <p:graphicFrame>
+        <p:nvGraphicFramePr>
+          <p:cNvPr id="4" name="Content Placeholder 3">
+            <a:extLst>
+              <a:ext uri="{FF2B5EF4-FFF2-40B4-BE49-F238E27FC236}">
+                <a16:creationId xmlns:a16="http://schemas.microsoft.com/office/drawing/2014/main" id="{B1CFA655-866B-074D-8E42-88E08FFF9D57}"/>
+              </a:ext>
+            </a:extLst>
+          </p:cNvPr>
+          <p:cNvGraphicFramePr>
+            <a:graphicFrameLocks noGrp="1"/>
+          </p:cNvGraphicFramePr>
           <p:nvPr>
-            <p:ph type="body" idx="1"/>
+            <p:ph idx="1"/>
+            <p:extLst>
+              <p:ext uri="{D42A27DB-BD31-4B8C-83A1-F6EECF244321}">
+                <p14:modId xmlns:p14="http://schemas.microsoft.com/office/powerpoint/2010/main" val="2631030375"/>
+              </p:ext>
+            </p:extLst>
           </p:nvPr>
-        </p:nvSpPr>
-        <p:spPr/>
-        <p:txBody>
-          <a:bodyPr/>
-          <a:lstStyle/>
-          <a:p>
-            <a:r>
-              <a:rPr lang="en-US" dirty="0">
-                <a:solidFill>
-                  <a:schemeClr val="tx1">
-                    <a:lumMod val="95000"/>
-                  </a:schemeClr>
-                </a:solidFill>
-              </a:rPr>
-              <a:t>Statement of the problem</a:t>
-            </a:r>
-          </a:p>
-        </p:txBody>
-      </p:sp>
+        </p:nvGraphicFramePr>
+        <p:xfrm>
+          <a:off x="655608" y="1714499"/>
+          <a:ext cx="11007303" cy="4799148"/>
+        </p:xfrm>
+        <a:graphic>
+          <a:graphicData uri="http://schemas.openxmlformats.org/drawingml/2006/table">
+            <a:tbl>
+              <a:tblPr firstRow="1" bandRow="1">
+                <a:tableStyleId>{69012ECD-51FC-41F1-AA8D-1B2483CD663E}</a:tableStyleId>
+              </a:tblPr>
+              <a:tblGrid>
+                <a:gridCol w="2656935">
+                  <a:extLst>
+                    <a:ext uri="{9D8B030D-6E8A-4147-A177-3AD203B41FA5}">
+                      <a16:colId xmlns:a16="http://schemas.microsoft.com/office/drawing/2014/main" val="1631284985"/>
+                    </a:ext>
+                  </a:extLst>
+                </a:gridCol>
+                <a:gridCol w="2863970">
+                  <a:extLst>
+                    <a:ext uri="{9D8B030D-6E8A-4147-A177-3AD203B41FA5}">
+                      <a16:colId xmlns:a16="http://schemas.microsoft.com/office/drawing/2014/main" val="1782392937"/>
+                    </a:ext>
+                  </a:extLst>
+                </a:gridCol>
+                <a:gridCol w="2734572">
+                  <a:extLst>
+                    <a:ext uri="{9D8B030D-6E8A-4147-A177-3AD203B41FA5}">
+                      <a16:colId xmlns:a16="http://schemas.microsoft.com/office/drawing/2014/main" val="1301268460"/>
+                    </a:ext>
+                  </a:extLst>
+                </a:gridCol>
+                <a:gridCol w="2751826">
+                  <a:extLst>
+                    <a:ext uri="{9D8B030D-6E8A-4147-A177-3AD203B41FA5}">
+                      <a16:colId xmlns:a16="http://schemas.microsoft.com/office/drawing/2014/main" val="553441255"/>
+                    </a:ext>
+                  </a:extLst>
+                </a:gridCol>
+              </a:tblGrid>
+              <a:tr h="525538">
+                <a:tc>
+                  <a:txBody>
+                    <a:bodyPr/>
+                    <a:lstStyle/>
+                    <a:p>
+                      <a:endParaRPr lang="en-US" sz="2400" dirty="0"/>
+                    </a:p>
+                  </a:txBody>
+                  <a:tcPr/>
+                </a:tc>
+                <a:tc>
+                  <a:txBody>
+                    <a:bodyPr/>
+                    <a:lstStyle/>
+                    <a:p>
+                      <a:pPr algn="ctr"/>
+                      <a:r>
+                        <a:rPr lang="en-US" sz="2400" dirty="0"/>
+                        <a:t>GBM</a:t>
+                      </a:r>
+                    </a:p>
+                  </a:txBody>
+                  <a:tcPr/>
+                </a:tc>
+                <a:tc>
+                  <a:txBody>
+                    <a:bodyPr/>
+                    <a:lstStyle/>
+                    <a:p>
+                      <a:pPr algn="ctr"/>
+                      <a:r>
+                        <a:rPr lang="en-US" sz="2400" dirty="0" err="1"/>
+                        <a:t>XGBoost</a:t>
+                      </a:r>
+                      <a:endParaRPr lang="en-US" sz="2400" dirty="0"/>
+                    </a:p>
+                  </a:txBody>
+                  <a:tcPr/>
+                </a:tc>
+                <a:tc>
+                  <a:txBody>
+                    <a:bodyPr/>
+                    <a:lstStyle/>
+                    <a:p>
+                      <a:pPr algn="ctr"/>
+                      <a:r>
+                        <a:rPr lang="en-US" sz="2400" dirty="0" err="1"/>
+                        <a:t>LightGBM</a:t>
+                      </a:r>
+                      <a:endParaRPr lang="en-US" sz="2400" dirty="0"/>
+                    </a:p>
+                  </a:txBody>
+                  <a:tcPr/>
+                </a:tc>
+                <a:extLst>
+                  <a:ext uri="{0D108BD9-81ED-4DB2-BD59-A6C34878D82A}">
+                    <a16:rowId xmlns:a16="http://schemas.microsoft.com/office/drawing/2014/main" val="4082146416"/>
+                  </a:ext>
+                </a:extLst>
+              </a:tr>
+              <a:tr h="525538">
+                <a:tc>
+                  <a:txBody>
+                    <a:bodyPr/>
+                    <a:lstStyle/>
+                    <a:p>
+                      <a:r>
+                        <a:rPr lang="en-US" sz="2400" dirty="0"/>
+                        <a:t>Full name</a:t>
+                      </a:r>
+                    </a:p>
+                  </a:txBody>
+                  <a:tcPr/>
+                </a:tc>
+                <a:tc>
+                  <a:txBody>
+                    <a:bodyPr/>
+                    <a:lstStyle/>
+                    <a:p>
+                      <a:r>
+                        <a:rPr lang="en-US" sz="2400" dirty="0"/>
+                        <a:t>Gradient Boosting Machine</a:t>
+                      </a:r>
+                    </a:p>
+                  </a:txBody>
+                  <a:tcPr/>
+                </a:tc>
+                <a:tc>
+                  <a:txBody>
+                    <a:bodyPr/>
+                    <a:lstStyle/>
+                    <a:p>
+                      <a:r>
+                        <a:rPr lang="en-US" sz="2400" dirty="0" err="1"/>
+                        <a:t>eXtreme</a:t>
+                      </a:r>
+                      <a:r>
+                        <a:rPr lang="en-US" sz="2400" dirty="0"/>
+                        <a:t> Gradient Boosting</a:t>
+                      </a:r>
+                    </a:p>
+                  </a:txBody>
+                  <a:tcPr/>
+                </a:tc>
+                <a:tc>
+                  <a:txBody>
+                    <a:bodyPr/>
+                    <a:lstStyle/>
+                    <a:p>
+                      <a:r>
+                        <a:rPr lang="en-US" sz="2400" dirty="0"/>
+                        <a:t>Light GBM</a:t>
+                      </a:r>
+                    </a:p>
+                  </a:txBody>
+                  <a:tcPr/>
+                </a:tc>
+                <a:extLst>
+                  <a:ext uri="{0D108BD9-81ED-4DB2-BD59-A6C34878D82A}">
+                    <a16:rowId xmlns:a16="http://schemas.microsoft.com/office/drawing/2014/main" val="1079069946"/>
+                  </a:ext>
+                </a:extLst>
+              </a:tr>
+              <a:tr h="525538">
+                <a:tc>
+                  <a:txBody>
+                    <a:bodyPr/>
+                    <a:lstStyle/>
+                    <a:p>
+                      <a:r>
+                        <a:rPr lang="en-US" sz="2400" dirty="0"/>
+                        <a:t>Data size</a:t>
+                      </a:r>
+                    </a:p>
+                  </a:txBody>
+                  <a:tcPr/>
+                </a:tc>
+                <a:tc>
+                  <a:txBody>
+                    <a:bodyPr/>
+                    <a:lstStyle/>
+                    <a:p>
+                      <a:r>
+                        <a:rPr lang="en-US" sz="2400" dirty="0"/>
+                        <a:t>Medium</a:t>
+                      </a:r>
+                    </a:p>
+                  </a:txBody>
+                  <a:tcPr/>
+                </a:tc>
+                <a:tc>
+                  <a:txBody>
+                    <a:bodyPr/>
+                    <a:lstStyle/>
+                    <a:p>
+                      <a:r>
+                        <a:rPr lang="en-US" sz="2400" dirty="0"/>
+                        <a:t>Large</a:t>
+                      </a:r>
+                    </a:p>
+                  </a:txBody>
+                  <a:tcPr/>
+                </a:tc>
+                <a:tc>
+                  <a:txBody>
+                    <a:bodyPr/>
+                    <a:lstStyle/>
+                    <a:p>
+                      <a:r>
+                        <a:rPr lang="en-US" sz="2400" dirty="0"/>
+                        <a:t>Large</a:t>
+                      </a:r>
+                    </a:p>
+                  </a:txBody>
+                  <a:tcPr/>
+                </a:tc>
+                <a:extLst>
+                  <a:ext uri="{0D108BD9-81ED-4DB2-BD59-A6C34878D82A}">
+                    <a16:rowId xmlns:a16="http://schemas.microsoft.com/office/drawing/2014/main" val="1940072819"/>
+                  </a:ext>
+                </a:extLst>
+              </a:tr>
+              <a:tr h="525538">
+                <a:tc>
+                  <a:txBody>
+                    <a:bodyPr/>
+                    <a:lstStyle/>
+                    <a:p>
+                      <a:r>
+                        <a:rPr lang="en-US" sz="2400" dirty="0"/>
+                        <a:t>Training speed</a:t>
+                      </a:r>
+                    </a:p>
+                  </a:txBody>
+                  <a:tcPr/>
+                </a:tc>
+                <a:tc>
+                  <a:txBody>
+                    <a:bodyPr/>
+                    <a:lstStyle/>
+                    <a:p>
+                      <a:r>
+                        <a:rPr lang="en-US" sz="2400" dirty="0"/>
+                        <a:t>Medium</a:t>
+                      </a:r>
+                    </a:p>
+                  </a:txBody>
+                  <a:tcPr/>
+                </a:tc>
+                <a:tc>
+                  <a:txBody>
+                    <a:bodyPr/>
+                    <a:lstStyle/>
+                    <a:p>
+                      <a:r>
+                        <a:rPr lang="en-US" sz="2400" dirty="0"/>
+                        <a:t>Fast</a:t>
+                      </a:r>
+                    </a:p>
+                  </a:txBody>
+                  <a:tcPr/>
+                </a:tc>
+                <a:tc>
+                  <a:txBody>
+                    <a:bodyPr/>
+                    <a:lstStyle/>
+                    <a:p>
+                      <a:r>
+                        <a:rPr lang="en-US" sz="2400" dirty="0"/>
+                        <a:t>Fast</a:t>
+                      </a:r>
+                    </a:p>
+                  </a:txBody>
+                  <a:tcPr/>
+                </a:tc>
+                <a:extLst>
+                  <a:ext uri="{0D108BD9-81ED-4DB2-BD59-A6C34878D82A}">
+                    <a16:rowId xmlns:a16="http://schemas.microsoft.com/office/drawing/2014/main" val="3299655980"/>
+                  </a:ext>
+                </a:extLst>
+              </a:tr>
+              <a:tr h="525538">
+                <a:tc>
+                  <a:txBody>
+                    <a:bodyPr/>
+                    <a:lstStyle/>
+                    <a:p>
+                      <a:r>
+                        <a:rPr lang="en-US" sz="2400" dirty="0"/>
+                        <a:t>Parallel Processing</a:t>
+                      </a:r>
+                    </a:p>
+                  </a:txBody>
+                  <a:tcPr/>
+                </a:tc>
+                <a:tc>
+                  <a:txBody>
+                    <a:bodyPr/>
+                    <a:lstStyle/>
+                    <a:p>
+                      <a:endParaRPr lang="en-US" sz="2400"/>
+                    </a:p>
+                  </a:txBody>
+                  <a:tcPr/>
+                </a:tc>
+                <a:tc>
+                  <a:txBody>
+                    <a:bodyPr/>
+                    <a:lstStyle/>
+                    <a:p>
+                      <a:r>
+                        <a:rPr lang="en-US" sz="2400" dirty="0"/>
+                        <a:t>Supported</a:t>
+                      </a:r>
+                    </a:p>
+                  </a:txBody>
+                  <a:tcPr/>
+                </a:tc>
+                <a:tc>
+                  <a:txBody>
+                    <a:bodyPr/>
+                    <a:lstStyle/>
+                    <a:p>
+                      <a:r>
+                        <a:rPr lang="en-US" sz="2400" dirty="0"/>
+                        <a:t>Supported</a:t>
+                      </a:r>
+                    </a:p>
+                  </a:txBody>
+                  <a:tcPr/>
+                </a:tc>
+                <a:extLst>
+                  <a:ext uri="{0D108BD9-81ED-4DB2-BD59-A6C34878D82A}">
+                    <a16:rowId xmlns:a16="http://schemas.microsoft.com/office/drawing/2014/main" val="2934089342"/>
+                  </a:ext>
+                </a:extLst>
+              </a:tr>
+              <a:tr h="525538">
+                <a:tc>
+                  <a:txBody>
+                    <a:bodyPr/>
+                    <a:lstStyle/>
+                    <a:p>
+                      <a:r>
+                        <a:rPr lang="en-US" sz="2400" dirty="0"/>
+                        <a:t>Regularization</a:t>
+                      </a:r>
+                    </a:p>
+                  </a:txBody>
+                  <a:tcPr/>
+                </a:tc>
+                <a:tc>
+                  <a:txBody>
+                    <a:bodyPr/>
+                    <a:lstStyle/>
+                    <a:p>
+                      <a:endParaRPr lang="en-US" sz="2400" dirty="0"/>
+                    </a:p>
+                  </a:txBody>
+                  <a:tcPr/>
+                </a:tc>
+                <a:tc>
+                  <a:txBody>
+                    <a:bodyPr/>
+                    <a:lstStyle/>
+                    <a:p>
+                      <a:r>
+                        <a:rPr lang="en-US" sz="2400" dirty="0"/>
+                        <a:t>Yes</a:t>
+                      </a:r>
+                    </a:p>
+                  </a:txBody>
+                  <a:tcPr/>
+                </a:tc>
+                <a:tc>
+                  <a:txBody>
+                    <a:bodyPr/>
+                    <a:lstStyle/>
+                    <a:p>
+                      <a:endParaRPr lang="en-US" sz="2400" dirty="0"/>
+                    </a:p>
+                  </a:txBody>
+                  <a:tcPr/>
+                </a:tc>
+                <a:extLst>
+                  <a:ext uri="{0D108BD9-81ED-4DB2-BD59-A6C34878D82A}">
+                    <a16:rowId xmlns:a16="http://schemas.microsoft.com/office/drawing/2014/main" val="2540973396"/>
+                  </a:ext>
+                </a:extLst>
+              </a:tr>
+              <a:tr h="525538">
+                <a:tc>
+                  <a:txBody>
+                    <a:bodyPr/>
+                    <a:lstStyle/>
+                    <a:p>
+                      <a:r>
+                        <a:rPr lang="en-US" sz="2400" dirty="0"/>
+                        <a:t>Overfitting</a:t>
+                      </a:r>
+                    </a:p>
+                  </a:txBody>
+                  <a:tcPr/>
+                </a:tc>
+                <a:tc>
+                  <a:txBody>
+                    <a:bodyPr/>
+                    <a:lstStyle/>
+                    <a:p>
+                      <a:r>
+                        <a:rPr lang="en-US" sz="2400" dirty="0"/>
+                        <a:t>Likely</a:t>
+                      </a:r>
+                    </a:p>
+                  </a:txBody>
+                  <a:tcPr/>
+                </a:tc>
+                <a:tc>
+                  <a:txBody>
+                    <a:bodyPr/>
+                    <a:lstStyle/>
+                    <a:p>
+                      <a:r>
+                        <a:rPr lang="en-US" sz="2400" dirty="0"/>
+                        <a:t>Controllable</a:t>
+                      </a:r>
+                    </a:p>
+                  </a:txBody>
+                  <a:tcPr/>
+                </a:tc>
+                <a:tc>
+                  <a:txBody>
+                    <a:bodyPr/>
+                    <a:lstStyle/>
+                    <a:p>
+                      <a:r>
+                        <a:rPr lang="en-US" sz="2400" dirty="0"/>
+                        <a:t>Relatively serious</a:t>
+                      </a:r>
+                    </a:p>
+                  </a:txBody>
+                  <a:tcPr/>
+                </a:tc>
+                <a:extLst>
+                  <a:ext uri="{0D108BD9-81ED-4DB2-BD59-A6C34878D82A}">
+                    <a16:rowId xmlns:a16="http://schemas.microsoft.com/office/drawing/2014/main" val="1550993482"/>
+                  </a:ext>
+                </a:extLst>
+              </a:tr>
+              <a:tr h="525538">
+                <a:tc>
+                  <a:txBody>
+                    <a:bodyPr/>
+                    <a:lstStyle/>
+                    <a:p>
+                      <a:r>
+                        <a:rPr lang="en-US" sz="2400" dirty="0"/>
+                        <a:t>Author/contributor</a:t>
+                      </a:r>
+                    </a:p>
+                  </a:txBody>
+                  <a:tcPr/>
+                </a:tc>
+                <a:tc>
+                  <a:txBody>
+                    <a:bodyPr/>
+                    <a:lstStyle/>
+                    <a:p>
+                      <a:r>
+                        <a:rPr lang="en-US" sz="2400" dirty="0">
+                          <a:hlinkClick r:id="rId2"/>
+                        </a:rPr>
+                        <a:t>Jerome Friedman</a:t>
+                      </a:r>
+                      <a:endParaRPr lang="en-US" sz="2400" dirty="0"/>
+                    </a:p>
+                  </a:txBody>
+                  <a:tcPr/>
+                </a:tc>
+                <a:tc>
+                  <a:txBody>
+                    <a:bodyPr/>
+                    <a:lstStyle/>
+                    <a:p>
+                      <a:r>
+                        <a:rPr lang="en-US" sz="2400" dirty="0" err="1">
+                          <a:hlinkClick r:id="rId3"/>
+                        </a:rPr>
+                        <a:t>Tianqi</a:t>
+                      </a:r>
+                      <a:r>
+                        <a:rPr lang="en-US" sz="2400" dirty="0">
+                          <a:hlinkClick r:id="rId3"/>
+                        </a:rPr>
+                        <a:t> Chen</a:t>
+                      </a:r>
+                      <a:endParaRPr lang="en-US" sz="2400" dirty="0"/>
+                    </a:p>
+                  </a:txBody>
+                  <a:tcPr/>
+                </a:tc>
+                <a:tc>
+                  <a:txBody>
+                    <a:bodyPr/>
+                    <a:lstStyle/>
+                    <a:p>
+                      <a:r>
+                        <a:rPr lang="en-US" sz="2400" dirty="0">
+                          <a:hlinkClick r:id="rId4"/>
+                        </a:rPr>
+                        <a:t>Microsoft</a:t>
+                      </a:r>
+                      <a:endParaRPr lang="en-US" sz="2400" dirty="0"/>
+                    </a:p>
+                  </a:txBody>
+                  <a:tcPr/>
+                </a:tc>
+                <a:extLst>
+                  <a:ext uri="{0D108BD9-81ED-4DB2-BD59-A6C34878D82A}">
+                    <a16:rowId xmlns:a16="http://schemas.microsoft.com/office/drawing/2014/main" val="641681731"/>
+                  </a:ext>
+                </a:extLst>
+              </a:tr>
+            </a:tbl>
+          </a:graphicData>
+        </a:graphic>
+      </p:graphicFrame>
     </p:spTree>
     <p:extLst>
       <p:ext uri="{BB962C8B-B14F-4D97-AF65-F5344CB8AC3E}">
-        <p14:creationId xmlns:p14="http://schemas.microsoft.com/office/powerpoint/2010/main" val="2301054955"/>
+        <p14:creationId xmlns:p14="http://schemas.microsoft.com/office/powerpoint/2010/main" val="556476927"/>
       </p:ext>
     </p:extLst>
   </p:cSld>
@@ -4797,7 +5391,10 @@
           <a:bodyPr/>
           <a:lstStyle/>
           <a:p>
-            <a:endParaRPr lang="en-US"/>
+            <a:r>
+              <a:rPr lang="en-US" dirty="0"/>
+              <a:t>XGB Features</a:t>
+            </a:r>
           </a:p>
         </p:txBody>
       </p:sp>
@@ -4817,19 +5414,90 @@
             <p:ph idx="1"/>
           </p:nvPr>
         </p:nvSpPr>
-        <p:spPr/>
+        <p:spPr>
+          <a:xfrm>
+            <a:off x="698269" y="1498375"/>
+            <a:ext cx="10873047" cy="5309750"/>
+          </a:xfrm>
+        </p:spPr>
         <p:txBody>
-          <a:bodyPr/>
+          <a:bodyPr>
+            <a:noAutofit/>
+          </a:bodyPr>
           <a:lstStyle/>
           <a:p>
-            <a:endParaRPr lang="en-US"/>
+            <a:r>
+              <a:rPr lang="en-US" sz="2400" dirty="0"/>
+              <a:t>Regularization: </a:t>
+            </a:r>
+            <a:r>
+              <a:rPr lang="en-US" sz="2200" dirty="0" err="1"/>
+              <a:t>Xgboost</a:t>
+            </a:r>
+            <a:r>
+              <a:rPr lang="en-US" sz="2200" dirty="0"/>
+              <a:t> used a more regularized model formalization to control over-fitting, which gives it better performance.”- </a:t>
+            </a:r>
+            <a:r>
+              <a:rPr lang="en-US" sz="2200" dirty="0" err="1"/>
+              <a:t>Tianqi</a:t>
+            </a:r>
+            <a:r>
+              <a:rPr lang="en-US" sz="2200" dirty="0"/>
+              <a:t> Chen</a:t>
+            </a:r>
+          </a:p>
+          <a:p>
+            <a:r>
+              <a:rPr lang="en-US" sz="2400" dirty="0"/>
+              <a:t>Speed: Computation in C++</a:t>
+            </a:r>
+          </a:p>
+          <a:p>
+            <a:r>
+              <a:rPr lang="en-US" sz="2400" dirty="0"/>
+              <a:t>Parallel process:</a:t>
+            </a:r>
+          </a:p>
+          <a:p>
+            <a:pPr lvl="1"/>
+            <a:r>
+              <a:rPr lang="en-US" sz="2200" dirty="0"/>
+              <a:t>The algorithm was developed to efficiently reduce computing time and allocate an optimal usage of memory resources.</a:t>
+            </a:r>
+          </a:p>
+          <a:p>
+            <a:pPr lvl="1"/>
+            <a:r>
+              <a:rPr lang="en-US" dirty="0"/>
+              <a:t>Block Structure to support parallelization in tree construction and the ability to fit and boost on new data added to a trained model</a:t>
+            </a:r>
+          </a:p>
+          <a:p>
+            <a:r>
+              <a:rPr lang="en-US" sz="2400" dirty="0"/>
+              <a:t>Faster in GBM in general</a:t>
+            </a:r>
+          </a:p>
+          <a:p>
+            <a:pPr lvl="1"/>
+            <a:r>
+              <a:rPr lang="en-US" sz="2200" dirty="0"/>
+              <a:t>Important features of implementation include handling of missing values (Sparse Aware), </a:t>
+            </a:r>
+          </a:p>
+          <a:p>
+            <a:r>
+              <a:rPr lang="en-US" sz="2400" dirty="0"/>
+              <a:t>Faster training speed and higher efficiency</a:t>
+            </a:r>
           </a:p>
         </p:txBody>
       </p:sp>
     </p:spTree>
     <p:extLst>
       <p:ext uri="{BB962C8B-B14F-4D97-AF65-F5344CB8AC3E}">
-        <p14:creationId xmlns:p14="http://schemas.microsoft.com/office/powerpoint/2010/main" val="556476927"/>
+        <p14:creationId xmlns:p14="http://schemas.microsoft.com/office/powerpoint/2010/main" val="2017555618"/>
       </p:ext>
     </p:extLst>
   </p:cSld>
@@ -4870,7 +5538,13 @@
       </p:grpSpPr>
       <p:sp>
         <p:nvSpPr>
-          <p:cNvPr id="2" name="Title 1"/>
+          <p:cNvPr id="2" name="Title 1">
+            <a:extLst>
+              <a:ext uri="{FF2B5EF4-FFF2-40B4-BE49-F238E27FC236}">
+                <a16:creationId xmlns:a16="http://schemas.microsoft.com/office/drawing/2014/main" id="{8CD402E0-CA9E-B943-8953-5DD45ADF011C}"/>
+              </a:ext>
+            </a:extLst>
+          </p:cNvPr>
           <p:cNvSpPr>
             <a:spLocks noGrp="1"/>
           </p:cNvSpPr>
@@ -4885,43 +5559,50 @@
           <a:p>
             <a:r>
               <a:rPr lang="en-US" dirty="0"/>
-              <a:t>Gradient descent</a:t>
+              <a:t>GBM In pseudocode</a:t>
             </a:r>
           </a:p>
         </p:txBody>
       </p:sp>
-      <p:sp>
-        <p:nvSpPr>
-          <p:cNvPr id="3" name="Text Placeholder 2"/>
-          <p:cNvSpPr>
-            <a:spLocks noGrp="1"/>
-          </p:cNvSpPr>
+      <p:pic>
+        <p:nvPicPr>
+          <p:cNvPr id="14" name="Content Placeholder 13">
+            <a:extLst>
+              <a:ext uri="{FF2B5EF4-FFF2-40B4-BE49-F238E27FC236}">
+                <a16:creationId xmlns:a16="http://schemas.microsoft.com/office/drawing/2014/main" id="{7070AADB-C697-3A4D-ACCC-25FBC0793D3B}"/>
+              </a:ext>
+            </a:extLst>
+          </p:cNvPr>
+          <p:cNvPicPr>
+            <a:picLocks noGrp="1" noChangeAspect="1"/>
+          </p:cNvPicPr>
           <p:nvPr>
-            <p:ph type="body" idx="1"/>
+            <p:ph idx="1"/>
           </p:nvPr>
-        </p:nvSpPr>
-        <p:spPr/>
-        <p:txBody>
-          <a:bodyPr/>
-          <a:lstStyle/>
-          <a:p>
-            <a:r>
-              <a:rPr lang="en-US" dirty="0">
-                <a:solidFill>
-                  <a:schemeClr val="tx1">
-                    <a:lumMod val="95000"/>
-                  </a:schemeClr>
-                </a:solidFill>
-              </a:rPr>
-              <a:t>Statement of the problem</a:t>
-            </a:r>
-          </a:p>
-        </p:txBody>
-      </p:sp>
+        </p:nvPicPr>
+        <p:blipFill>
+          <a:blip r:embed="rId2">
+            <a:extLst>
+              <a:ext uri="{28A0092B-C50C-407E-A947-70E740481C1C}">
+                <a14:useLocalDpi xmlns:a14="http://schemas.microsoft.com/office/drawing/2010/main" val="0"/>
+              </a:ext>
+            </a:extLst>
+          </a:blip>
+          <a:stretch>
+            <a:fillRect/>
+          </a:stretch>
+        </p:blipFill>
+        <p:spPr>
+          <a:xfrm>
+            <a:off x="1371600" y="1491826"/>
+            <a:ext cx="9122229" cy="5257319"/>
+          </a:xfrm>
+        </p:spPr>
+      </p:pic>
     </p:spTree>
     <p:extLst>
       <p:ext uri="{BB962C8B-B14F-4D97-AF65-F5344CB8AC3E}">
-        <p14:creationId xmlns:p14="http://schemas.microsoft.com/office/powerpoint/2010/main" val="663367514"/>
+        <p14:creationId xmlns:p14="http://schemas.microsoft.com/office/powerpoint/2010/main" val="189061736"/>
       </p:ext>
     </p:extLst>
   </p:cSld>
@@ -4965,7 +5646,7 @@
           <p:cNvPr id="2" name="Title 1">
             <a:extLst>
               <a:ext uri="{FF2B5EF4-FFF2-40B4-BE49-F238E27FC236}">
-                <a16:creationId xmlns:a16="http://schemas.microsoft.com/office/drawing/2014/main" id="{DBEB9C24-7F7E-974C-BF75-DC6150AC74CC}"/>
+                <a16:creationId xmlns:a16="http://schemas.microsoft.com/office/drawing/2014/main" id="{8CD402E0-CA9E-B943-8953-5DD45ADF011C}"/>
               </a:ext>
             </a:extLst>
           </p:cNvPr>
@@ -4981,50 +5662,558 @@
           <a:bodyPr/>
           <a:lstStyle/>
           <a:p>
-            <a:endParaRPr lang="en-US"/>
+            <a:r>
+              <a:rPr lang="en-US" dirty="0"/>
+              <a:t>XGB In pseudocode</a:t>
+            </a:r>
+          </a:p>
+        </p:txBody>
+      </p:sp>
+      <p:pic>
+        <p:nvPicPr>
+          <p:cNvPr id="14" name="Content Placeholder 13">
+            <a:extLst>
+              <a:ext uri="{FF2B5EF4-FFF2-40B4-BE49-F238E27FC236}">
+                <a16:creationId xmlns:a16="http://schemas.microsoft.com/office/drawing/2014/main" id="{7070AADB-C697-3A4D-ACCC-25FBC0793D3B}"/>
+              </a:ext>
+            </a:extLst>
+          </p:cNvPr>
+          <p:cNvPicPr>
+            <a:picLocks noGrp="1" noChangeAspect="1"/>
+          </p:cNvPicPr>
+          <p:nvPr>
+            <p:ph idx="1"/>
+          </p:nvPr>
+        </p:nvPicPr>
+        <p:blipFill>
+          <a:blip r:embed="rId2">
+            <a:extLst>
+              <a:ext uri="{28A0092B-C50C-407E-A947-70E740481C1C}">
+                <a14:useLocalDpi xmlns:a14="http://schemas.microsoft.com/office/drawing/2010/main" val="0"/>
+              </a:ext>
+            </a:extLst>
+          </a:blip>
+          <a:stretch>
+            <a:fillRect/>
+          </a:stretch>
+        </p:blipFill>
+        <p:spPr>
+          <a:xfrm>
+            <a:off x="1371600" y="1491826"/>
+            <a:ext cx="9122229" cy="5257319"/>
+          </a:xfrm>
+        </p:spPr>
+      </p:pic>
+      <mc:AlternateContent xmlns:mc="http://schemas.openxmlformats.org/markup-compatibility/2006" xmlns:a14="http://schemas.microsoft.com/office/drawing/2010/main">
+        <mc:Choice Requires="a14">
+          <p:sp>
+            <p:nvSpPr>
+              <p:cNvPr id="3" name="TextBox 2">
+                <a:extLst>
+                  <a:ext uri="{FF2B5EF4-FFF2-40B4-BE49-F238E27FC236}">
+                    <a16:creationId xmlns:a16="http://schemas.microsoft.com/office/drawing/2014/main" id="{98396AFE-B0B6-1043-A520-88E424F82AAF}"/>
+                  </a:ext>
+                </a:extLst>
+              </p:cNvPr>
+              <p:cNvSpPr txBox="1"/>
+              <p:nvPr/>
+            </p:nvSpPr>
+            <p:spPr>
+              <a:xfrm>
+                <a:off x="4704442" y="2646525"/>
+                <a:ext cx="718457" cy="370114"/>
+              </a:xfrm>
+              <a:prstGeom prst="rect">
+                <a:avLst/>
+              </a:prstGeom>
+              <a:solidFill>
+                <a:schemeClr val="tx1"/>
+              </a:solidFill>
+            </p:spPr>
+            <p:txBody>
+              <a:bodyPr wrap="square" rtlCol="0">
+                <a:spAutoFit/>
+              </a:bodyPr>
+              <a:lstStyle/>
+              <a:p>
+                <a:r>
+                  <a:rPr lang="en-US" dirty="0">
+                    <a:solidFill>
+                      <a:srgbClr val="FF0000"/>
+                    </a:solidFill>
+                  </a:rPr>
+                  <a:t>+ </a:t>
+                </a:r>
+                <a14:m>
+                  <m:oMath xmlns:m="http://schemas.openxmlformats.org/officeDocument/2006/math">
+                    <m:r>
+                      <m:rPr>
+                        <m:sty m:val="p"/>
+                      </m:rPr>
+                      <a:rPr lang="el-GR" i="1" smtClean="0">
+                        <a:solidFill>
+                          <a:srgbClr val="FF0000"/>
+                        </a:solidFill>
+                        <a:latin typeface="Cambria Math" panose="02040503050406030204" pitchFamily="18" charset="0"/>
+                        <a:ea typeface="Cambria Math" panose="02040503050406030204" pitchFamily="18" charset="0"/>
+                      </a:rPr>
+                      <m:t>Ω</m:t>
+                    </m:r>
+                    <m:r>
+                      <a:rPr lang="en-US" b="0" i="1" smtClean="0">
+                        <a:solidFill>
+                          <a:srgbClr val="FF0000"/>
+                        </a:solidFill>
+                        <a:latin typeface="Cambria Math" panose="02040503050406030204" pitchFamily="18" charset="0"/>
+                        <a:ea typeface="Cambria Math" panose="02040503050406030204" pitchFamily="18" charset="0"/>
+                      </a:rPr>
+                      <m:t>, </m:t>
+                    </m:r>
+                  </m:oMath>
+                </a14:m>
+                <a:endParaRPr lang="en-US" dirty="0">
+                  <a:solidFill>
+                    <a:srgbClr val="FF0000"/>
+                  </a:solidFill>
+                </a:endParaRPr>
+              </a:p>
+            </p:txBody>
+          </p:sp>
+        </mc:Choice>
+        <mc:Fallback xmlns="">
+          <p:sp>
+            <p:nvSpPr>
+              <p:cNvPr id="3" name="TextBox 2">
+                <a:extLst>
+                  <a:ext uri="{FF2B5EF4-FFF2-40B4-BE49-F238E27FC236}">
+                    <a16:creationId xmlns:a16="http://schemas.microsoft.com/office/drawing/2014/main" id="{98396AFE-B0B6-1043-A520-88E424F82AAF}"/>
+                  </a:ext>
+                </a:extLst>
+              </p:cNvPr>
+              <p:cNvSpPr txBox="1">
+                <a:spLocks noRot="1" noChangeAspect="1" noMove="1" noResize="1" noEditPoints="1" noAdjustHandles="1" noChangeArrowheads="1" noChangeShapeType="1" noTextEdit="1"/>
+              </p:cNvSpPr>
+              <p:nvPr/>
+            </p:nvSpPr>
+            <p:spPr>
+              <a:xfrm>
+                <a:off x="4704442" y="2646525"/>
+                <a:ext cx="718457" cy="370114"/>
+              </a:xfrm>
+              <a:prstGeom prst="rect">
+                <a:avLst/>
+              </a:prstGeom>
+              <a:blipFill>
+                <a:blip r:embed="rId3"/>
+                <a:stretch>
+                  <a:fillRect l="-5172" t="-3226" b="-22581"/>
+                </a:stretch>
+              </a:blipFill>
+            </p:spPr>
+            <p:txBody>
+              <a:bodyPr/>
+              <a:lstStyle/>
+              <a:p>
+                <a:r>
+                  <a:rPr lang="en-US">
+                    <a:noFill/>
+                  </a:rPr>
+                  <a:t> </a:t>
+                </a:r>
+              </a:p>
+            </p:txBody>
+          </p:sp>
+        </mc:Fallback>
+      </mc:AlternateContent>
+      <mc:AlternateContent xmlns:mc="http://schemas.openxmlformats.org/markup-compatibility/2006" xmlns:a14="http://schemas.microsoft.com/office/drawing/2010/main">
+        <mc:Choice Requires="a14">
+          <p:sp>
+            <p:nvSpPr>
+              <p:cNvPr id="4" name="Rectangle 3">
+                <a:extLst>
+                  <a:ext uri="{FF2B5EF4-FFF2-40B4-BE49-F238E27FC236}">
+                    <a16:creationId xmlns:a16="http://schemas.microsoft.com/office/drawing/2014/main" id="{34FA4389-6D1E-CA46-99FA-45F4A4A7F703}"/>
+                  </a:ext>
+                </a:extLst>
+              </p:cNvPr>
+              <p:cNvSpPr/>
+              <p:nvPr/>
+            </p:nvSpPr>
+            <p:spPr>
+              <a:xfrm>
+                <a:off x="5208167" y="2614817"/>
+                <a:ext cx="2379176" cy="483466"/>
+              </a:xfrm>
+              <a:prstGeom prst="rect">
+                <a:avLst/>
+              </a:prstGeom>
+            </p:spPr>
+            <p:txBody>
+              <a:bodyPr wrap="none">
+                <a:spAutoFit/>
+              </a:bodyPr>
+              <a:lstStyle/>
+              <a:p>
+                <a:pPr algn="ctr"/>
+                <a14:m>
+                  <m:oMath xmlns:m="http://schemas.openxmlformats.org/officeDocument/2006/math">
+                    <m:r>
+                      <m:rPr>
+                        <m:sty m:val="p"/>
+                      </m:rPr>
+                      <a:rPr lang="el-GR" i="1" smtClean="0">
+                        <a:solidFill>
+                          <a:srgbClr val="FF0000"/>
+                        </a:solidFill>
+                        <a:latin typeface="Cambria Math" panose="02040503050406030204" pitchFamily="18" charset="0"/>
+                        <a:ea typeface="Cambria Math" panose="02040503050406030204" pitchFamily="18" charset="0"/>
+                      </a:rPr>
+                      <m:t>Ω</m:t>
+                    </m:r>
+                    <m:r>
+                      <a:rPr lang="en-US" i="1">
+                        <a:solidFill>
+                          <a:srgbClr val="FF0000"/>
+                        </a:solidFill>
+                        <a:latin typeface="Cambria Math" panose="02040503050406030204" pitchFamily="18" charset="0"/>
+                        <a:ea typeface="Cambria Math" panose="02040503050406030204" pitchFamily="18" charset="0"/>
+                      </a:rPr>
+                      <m:t>=</m:t>
+                    </m:r>
+                    <m:r>
+                      <a:rPr lang="en-US" i="1">
+                        <a:solidFill>
+                          <a:srgbClr val="FF0000"/>
+                        </a:solidFill>
+                        <a:latin typeface="Cambria Math" panose="02040503050406030204" pitchFamily="18" charset="0"/>
+                        <a:ea typeface="Cambria Math" panose="02040503050406030204" pitchFamily="18" charset="0"/>
+                      </a:rPr>
+                      <m:t>𝛾</m:t>
+                    </m:r>
+                    <m:r>
+                      <a:rPr lang="en-US" i="1">
+                        <a:solidFill>
+                          <a:srgbClr val="FF0000"/>
+                        </a:solidFill>
+                        <a:latin typeface="Cambria Math" panose="02040503050406030204" pitchFamily="18" charset="0"/>
+                        <a:ea typeface="Cambria Math" panose="02040503050406030204" pitchFamily="18" charset="0"/>
+                      </a:rPr>
+                      <m:t>𝑇</m:t>
+                    </m:r>
+                    <m:r>
+                      <a:rPr lang="en-US" i="1">
+                        <a:solidFill>
+                          <a:srgbClr val="FF0000"/>
+                        </a:solidFill>
+                        <a:latin typeface="Cambria Math" panose="02040503050406030204" pitchFamily="18" charset="0"/>
+                        <a:ea typeface="Cambria Math" panose="02040503050406030204" pitchFamily="18" charset="0"/>
+                      </a:rPr>
+                      <m:t>+</m:t>
+                    </m:r>
+                    <m:f>
+                      <m:fPr>
+                        <m:ctrlPr>
+                          <a:rPr lang="en-US" i="1">
+                            <a:solidFill>
+                              <a:srgbClr val="FF0000"/>
+                            </a:solidFill>
+                            <a:latin typeface="Cambria Math" panose="02040503050406030204" pitchFamily="18" charset="0"/>
+                            <a:ea typeface="Cambria Math" panose="02040503050406030204" pitchFamily="18" charset="0"/>
+                          </a:rPr>
+                        </m:ctrlPr>
+                      </m:fPr>
+                      <m:num>
+                        <m:r>
+                          <a:rPr lang="en-US" i="1">
+                            <a:solidFill>
+                              <a:srgbClr val="FF0000"/>
+                            </a:solidFill>
+                            <a:latin typeface="Cambria Math" panose="02040503050406030204" pitchFamily="18" charset="0"/>
+                            <a:ea typeface="Cambria Math" panose="02040503050406030204" pitchFamily="18" charset="0"/>
+                          </a:rPr>
+                          <m:t>1</m:t>
+                        </m:r>
+                      </m:num>
+                      <m:den>
+                        <m:r>
+                          <a:rPr lang="en-US" i="1">
+                            <a:solidFill>
+                              <a:srgbClr val="FF0000"/>
+                            </a:solidFill>
+                            <a:latin typeface="Cambria Math" panose="02040503050406030204" pitchFamily="18" charset="0"/>
+                            <a:ea typeface="Cambria Math" panose="02040503050406030204" pitchFamily="18" charset="0"/>
+                          </a:rPr>
+                          <m:t>2</m:t>
+                        </m:r>
+                      </m:den>
+                    </m:f>
+                    <m:r>
+                      <a:rPr lang="en-US" i="1">
+                        <a:solidFill>
+                          <a:srgbClr val="FF0000"/>
+                        </a:solidFill>
+                        <a:latin typeface="Cambria Math" panose="02040503050406030204" pitchFamily="18" charset="0"/>
+                        <a:ea typeface="Cambria Math" panose="02040503050406030204" pitchFamily="18" charset="0"/>
+                      </a:rPr>
+                      <m:t>𝜆</m:t>
+                    </m:r>
+                    <m:nary>
+                      <m:naryPr>
+                        <m:chr m:val="∑"/>
+                        <m:ctrlPr>
+                          <a:rPr lang="en-US" i="1">
+                            <a:solidFill>
+                              <a:srgbClr val="FF0000"/>
+                            </a:solidFill>
+                            <a:latin typeface="Cambria Math" panose="02040503050406030204" pitchFamily="18" charset="0"/>
+                            <a:ea typeface="Cambria Math" panose="02040503050406030204" pitchFamily="18" charset="0"/>
+                          </a:rPr>
+                        </m:ctrlPr>
+                      </m:naryPr>
+                      <m:sub>
+                        <m:r>
+                          <m:rPr>
+                            <m:brk m:alnAt="23"/>
+                          </m:rPr>
+                          <a:rPr lang="en-US" i="1">
+                            <a:solidFill>
+                              <a:srgbClr val="FF0000"/>
+                            </a:solidFill>
+                            <a:latin typeface="Cambria Math" panose="02040503050406030204" pitchFamily="18" charset="0"/>
+                            <a:ea typeface="Cambria Math" panose="02040503050406030204" pitchFamily="18" charset="0"/>
+                          </a:rPr>
+                          <m:t>𝑗</m:t>
+                        </m:r>
+                        <m:r>
+                          <a:rPr lang="en-US" i="1">
+                            <a:solidFill>
+                              <a:srgbClr val="FF0000"/>
+                            </a:solidFill>
+                            <a:latin typeface="Cambria Math" panose="02040503050406030204" pitchFamily="18" charset="0"/>
+                            <a:ea typeface="Cambria Math" panose="02040503050406030204" pitchFamily="18" charset="0"/>
+                          </a:rPr>
+                          <m:t>=1</m:t>
+                        </m:r>
+                      </m:sub>
+                      <m:sup>
+                        <m:r>
+                          <a:rPr lang="en-US" i="1">
+                            <a:solidFill>
+                              <a:srgbClr val="FF0000"/>
+                            </a:solidFill>
+                            <a:latin typeface="Cambria Math" panose="02040503050406030204" pitchFamily="18" charset="0"/>
+                            <a:ea typeface="Cambria Math" panose="02040503050406030204" pitchFamily="18" charset="0"/>
+                          </a:rPr>
+                          <m:t>𝑇</m:t>
+                        </m:r>
+                      </m:sup>
+                      <m:e>
+                        <m:sSubSup>
+                          <m:sSubSupPr>
+                            <m:ctrlPr>
+                              <a:rPr lang="en-US" i="1">
+                                <a:solidFill>
+                                  <a:srgbClr val="FF0000"/>
+                                </a:solidFill>
+                                <a:latin typeface="Cambria Math" panose="02040503050406030204" pitchFamily="18" charset="0"/>
+                                <a:ea typeface="Cambria Math" panose="02040503050406030204" pitchFamily="18" charset="0"/>
+                              </a:rPr>
+                            </m:ctrlPr>
+                          </m:sSubSupPr>
+                          <m:e>
+                            <m:r>
+                              <a:rPr lang="en-US" i="1">
+                                <a:solidFill>
+                                  <a:srgbClr val="FF0000"/>
+                                </a:solidFill>
+                                <a:latin typeface="Cambria Math" panose="02040503050406030204" pitchFamily="18" charset="0"/>
+                                <a:ea typeface="Cambria Math" panose="02040503050406030204" pitchFamily="18" charset="0"/>
+                              </a:rPr>
+                              <m:t>𝑤</m:t>
+                            </m:r>
+                          </m:e>
+                          <m:sub>
+                            <m:r>
+                              <a:rPr lang="en-US" i="1">
+                                <a:solidFill>
+                                  <a:srgbClr val="FF0000"/>
+                                </a:solidFill>
+                                <a:latin typeface="Cambria Math" panose="02040503050406030204" pitchFamily="18" charset="0"/>
+                                <a:ea typeface="Cambria Math" panose="02040503050406030204" pitchFamily="18" charset="0"/>
+                              </a:rPr>
+                              <m:t>𝑗</m:t>
+                            </m:r>
+                          </m:sub>
+                          <m:sup>
+                            <m:r>
+                              <a:rPr lang="en-US" i="1">
+                                <a:solidFill>
+                                  <a:srgbClr val="FF0000"/>
+                                </a:solidFill>
+                                <a:latin typeface="Cambria Math" panose="02040503050406030204" pitchFamily="18" charset="0"/>
+                                <a:ea typeface="Cambria Math" panose="02040503050406030204" pitchFamily="18" charset="0"/>
+                              </a:rPr>
+                              <m:t>2</m:t>
+                            </m:r>
+                          </m:sup>
+                        </m:sSubSup>
+                      </m:e>
+                    </m:nary>
+                  </m:oMath>
+                </a14:m>
+                <a:r>
+                  <a:rPr lang="en-US" dirty="0">
+                    <a:solidFill>
+                      <a:srgbClr val="FF0000"/>
+                    </a:solidFill>
+                    <a:latin typeface="Cambria Math" panose="02040503050406030204" pitchFamily="18" charset="0"/>
+                    <a:ea typeface="Cambria Math" panose="02040503050406030204" pitchFamily="18" charset="0"/>
+                  </a:rPr>
+                  <a:t>, </a:t>
+                </a:r>
+              </a:p>
+            </p:txBody>
+          </p:sp>
+        </mc:Choice>
+        <mc:Fallback xmlns="">
+          <p:sp>
+            <p:nvSpPr>
+              <p:cNvPr id="4" name="Rectangle 3">
+                <a:extLst>
+                  <a:ext uri="{FF2B5EF4-FFF2-40B4-BE49-F238E27FC236}">
+                    <a16:creationId xmlns:a16="http://schemas.microsoft.com/office/drawing/2014/main" id="{34FA4389-6D1E-CA46-99FA-45F4A4A7F703}"/>
+                  </a:ext>
+                </a:extLst>
+              </p:cNvPr>
+              <p:cNvSpPr>
+                <a:spLocks noRot="1" noChangeAspect="1" noMove="1" noResize="1" noEditPoints="1" noAdjustHandles="1" noChangeArrowheads="1" noChangeShapeType="1" noTextEdit="1"/>
+              </p:cNvSpPr>
+              <p:nvPr/>
+            </p:nvSpPr>
+            <p:spPr>
+              <a:xfrm>
+                <a:off x="5208167" y="2614817"/>
+                <a:ext cx="2379176" cy="483466"/>
+              </a:xfrm>
+              <a:prstGeom prst="rect">
+                <a:avLst/>
+              </a:prstGeom>
+              <a:blipFill>
+                <a:blip r:embed="rId4"/>
+                <a:stretch>
+                  <a:fillRect t="-74359" r="-1596" b="-112821"/>
+                </a:stretch>
+              </a:blipFill>
+            </p:spPr>
+            <p:txBody>
+              <a:bodyPr/>
+              <a:lstStyle/>
+              <a:p>
+                <a:r>
+                  <a:rPr lang="en-US">
+                    <a:noFill/>
+                  </a:rPr>
+                  <a:t> </a:t>
+                </a:r>
+              </a:p>
+            </p:txBody>
+          </p:sp>
+        </mc:Fallback>
+      </mc:AlternateContent>
+      <p:sp>
+        <p:nvSpPr>
+          <p:cNvPr id="8" name="TextBox 7">
+            <a:extLst>
+              <a:ext uri="{FF2B5EF4-FFF2-40B4-BE49-F238E27FC236}">
+                <a16:creationId xmlns:a16="http://schemas.microsoft.com/office/drawing/2014/main" id="{B024D6D9-0A73-F24A-9FCC-2F5F1D610E74}"/>
+              </a:ext>
+            </a:extLst>
+          </p:cNvPr>
+          <p:cNvSpPr txBox="1"/>
+          <p:nvPr/>
+        </p:nvSpPr>
+        <p:spPr>
+          <a:xfrm>
+            <a:off x="6096000" y="3635554"/>
+            <a:ext cx="3697515" cy="738664"/>
+          </a:xfrm>
+          <a:prstGeom prst="rect">
+            <a:avLst/>
+          </a:prstGeom>
+          <a:solidFill>
+            <a:schemeClr val="tx1"/>
+          </a:solidFill>
+        </p:spPr>
+        <p:txBody>
+          <a:bodyPr wrap="square" rtlCol="0">
+            <a:spAutoFit/>
+          </a:bodyPr>
+          <a:lstStyle/>
+          <a:p>
+            <a:r>
+              <a:rPr lang="en-US" sz="1400" dirty="0">
+                <a:solidFill>
+                  <a:srgbClr val="FF0000"/>
+                </a:solidFill>
+              </a:rPr>
+              <a:t>Since we don't have derivative for every objective function, we calculate the second order </a:t>
+            </a:r>
+            <a:r>
+              <a:rPr lang="en-US" sz="1400" dirty="0" err="1">
+                <a:solidFill>
+                  <a:srgbClr val="FF0000"/>
+                </a:solidFill>
+              </a:rPr>
+              <a:t>taylor</a:t>
+            </a:r>
+            <a:r>
+              <a:rPr lang="en-US" sz="1400" dirty="0">
+                <a:solidFill>
+                  <a:srgbClr val="FF0000"/>
+                </a:solidFill>
+              </a:rPr>
+              <a:t> approximation of it</a:t>
+            </a:r>
           </a:p>
         </p:txBody>
       </p:sp>
       <p:sp>
         <p:nvSpPr>
-          <p:cNvPr id="3" name="Content Placeholder 2">
+          <p:cNvPr id="9" name="TextBox 8">
             <a:extLst>
               <a:ext uri="{FF2B5EF4-FFF2-40B4-BE49-F238E27FC236}">
-                <a16:creationId xmlns:a16="http://schemas.microsoft.com/office/drawing/2014/main" id="{377F50D0-DDC7-F442-8E13-2DA46E916A46}"/>
+                <a16:creationId xmlns:a16="http://schemas.microsoft.com/office/drawing/2014/main" id="{CC0CB3B3-51DC-9549-B9C9-8419B60E6316}"/>
               </a:ext>
             </a:extLst>
           </p:cNvPr>
-          <p:cNvSpPr>
-            <a:spLocks noGrp="1"/>
-          </p:cNvSpPr>
-          <p:nvPr>
-            <p:ph idx="1"/>
-          </p:nvPr>
+          <p:cNvSpPr txBox="1"/>
+          <p:nvPr/>
         </p:nvSpPr>
-        <p:spPr/>
+        <p:spPr>
+          <a:xfrm>
+            <a:off x="1873250" y="2204975"/>
+            <a:ext cx="3702050" cy="307777"/>
+          </a:xfrm>
+          <a:prstGeom prst="rect">
+            <a:avLst/>
+          </a:prstGeom>
+          <a:solidFill>
+            <a:schemeClr val="tx1"/>
+          </a:solidFill>
+        </p:spPr>
         <p:txBody>
-          <a:bodyPr/>
+          <a:bodyPr wrap="square" rtlCol="0">
+            <a:spAutoFit/>
+          </a:bodyPr>
           <a:lstStyle/>
           <a:p>
             <a:r>
-              <a:rPr lang="en-US" dirty="0"/>
-              <a:t>https://</a:t>
-            </a:r>
-            <a:r>
-              <a:rPr lang="en-US" dirty="0" err="1"/>
-              <a:t>www.youtube.com</a:t>
-            </a:r>
-            <a:r>
-              <a:rPr lang="en-US" dirty="0"/>
-              <a:t>/</a:t>
-            </a:r>
-            <a:r>
-              <a:rPr lang="en-US" dirty="0" err="1"/>
-              <a:t>watch?v</a:t>
-            </a:r>
-            <a:r>
-              <a:rPr lang="en-US" dirty="0"/>
-              <a:t>=sXUf5kx2Gi8</a:t>
+              <a:rPr lang="en-US" sz="1400" dirty="0">
+                <a:solidFill>
+                  <a:srgbClr val="FF0000"/>
+                </a:solidFill>
+              </a:rPr>
+              <a:t>Objective function = Loss + Regularization</a:t>
             </a:r>
           </a:p>
         </p:txBody>
@@ -5032,7 +6221,7 @@
     </p:spTree>
     <p:extLst>
       <p:ext uri="{BB962C8B-B14F-4D97-AF65-F5344CB8AC3E}">
-        <p14:creationId xmlns:p14="http://schemas.microsoft.com/office/powerpoint/2010/main" val="592575798"/>
+        <p14:creationId xmlns:p14="http://schemas.microsoft.com/office/powerpoint/2010/main" val="307577004"/>
       </p:ext>
     </p:extLst>
   </p:cSld>
@@ -5076,7 +6265,7 @@
           <p:cNvPr id="2" name="Title 1">
             <a:extLst>
               <a:ext uri="{FF2B5EF4-FFF2-40B4-BE49-F238E27FC236}">
-                <a16:creationId xmlns:a16="http://schemas.microsoft.com/office/drawing/2014/main" id="{DBEB9C24-7F7E-974C-BF75-DC6150AC74CC}"/>
+                <a16:creationId xmlns:a16="http://schemas.microsoft.com/office/drawing/2014/main" id="{54C827B5-8998-CB43-9F5F-0EA76D27CAA1}"/>
               </a:ext>
             </a:extLst>
           </p:cNvPr>
@@ -5092,39 +6281,806 @@
           <a:bodyPr/>
           <a:lstStyle/>
           <a:p>
-            <a:endParaRPr lang="en-US"/>
+            <a:r>
+              <a:rPr lang="en-US" dirty="0"/>
+              <a:t>GBM Model Specification</a:t>
+            </a:r>
           </a:p>
         </p:txBody>
       </p:sp>
-      <p:sp>
-        <p:nvSpPr>
-          <p:cNvPr id="3" name="Content Placeholder 2">
-            <a:extLst>
-              <a:ext uri="{FF2B5EF4-FFF2-40B4-BE49-F238E27FC236}">
-                <a16:creationId xmlns:a16="http://schemas.microsoft.com/office/drawing/2014/main" id="{377F50D0-DDC7-F442-8E13-2DA46E916A46}"/>
-              </a:ext>
-            </a:extLst>
-          </p:cNvPr>
-          <p:cNvSpPr>
-            <a:spLocks noGrp="1"/>
-          </p:cNvSpPr>
-          <p:nvPr>
-            <p:ph idx="1"/>
-          </p:nvPr>
-        </p:nvSpPr>
-        <p:spPr/>
-        <p:txBody>
-          <a:bodyPr/>
-          <a:lstStyle/>
-          <a:p>
-            <a:endParaRPr lang="en-US"/>
-          </a:p>
-        </p:txBody>
-      </p:sp>
+      <mc:AlternateContent xmlns:mc="http://schemas.openxmlformats.org/markup-compatibility/2006" xmlns:a14="http://schemas.microsoft.com/office/drawing/2010/main">
+        <mc:Choice Requires="a14">
+          <p:sp>
+            <p:nvSpPr>
+              <p:cNvPr id="3" name="Content Placeholder 2">
+                <a:extLst>
+                  <a:ext uri="{FF2B5EF4-FFF2-40B4-BE49-F238E27FC236}">
+                    <a16:creationId xmlns:a16="http://schemas.microsoft.com/office/drawing/2014/main" id="{1404FB81-6A8F-3C44-BED5-63101E822073}"/>
+                  </a:ext>
+                </a:extLst>
+              </p:cNvPr>
+              <p:cNvSpPr>
+                <a:spLocks noGrp="1"/>
+              </p:cNvSpPr>
+              <p:nvPr>
+                <p:ph idx="1"/>
+              </p:nvPr>
+            </p:nvSpPr>
+            <p:spPr>
+              <a:xfrm>
+                <a:off x="864523" y="1614750"/>
+                <a:ext cx="10623665" cy="4902428"/>
+              </a:xfrm>
+            </p:spPr>
+            <p:txBody>
+              <a:bodyPr>
+                <a:normAutofit/>
+              </a:bodyPr>
+              <a:lstStyle/>
+              <a:p>
+                <a:r>
+                  <a:rPr lang="en-US" dirty="0">
+                    <a:latin typeface="Cambria Math" panose="02040503050406030204" pitchFamily="18" charset="0"/>
+                    <a:ea typeface="Cambria Math" panose="02040503050406030204" pitchFamily="18" charset="0"/>
+                  </a:rPr>
+                  <a:t>The objective of any supervised learning algorithm is to define a loss function and minimize it.</a:t>
+                </a:r>
+              </a:p>
+              <a:p>
+                <a:r>
+                  <a:rPr lang="en-US" dirty="0">
+                    <a:latin typeface="Cambria Math" panose="02040503050406030204" pitchFamily="18" charset="0"/>
+                    <a:ea typeface="Cambria Math" panose="02040503050406030204" pitchFamily="18" charset="0"/>
+                  </a:rPr>
+                  <a:t>Objective function = </a:t>
+                </a:r>
+                <a:r>
+                  <a:rPr lang="en-US" i="1">
+                    <a:latin typeface="Cambria Math" panose="02040503050406030204" pitchFamily="18" charset="0"/>
+                    <a:ea typeface="Cambria Math" panose="02040503050406030204" pitchFamily="18" charset="0"/>
+                  </a:rPr>
+                  <a:t>L</a:t>
+                </a:r>
+                <a:r>
+                  <a:rPr lang="en-US">
+                    <a:latin typeface="Cambria Math" panose="02040503050406030204" pitchFamily="18" charset="0"/>
+                    <a:ea typeface="Cambria Math" panose="02040503050406030204" pitchFamily="18" charset="0"/>
+                  </a:rPr>
+                  <a:t> </a:t>
+                </a:r>
+                <a:endParaRPr lang="en-US" dirty="0">
+                  <a:latin typeface="Cambria Math" panose="02040503050406030204" pitchFamily="18" charset="0"/>
+                  <a:ea typeface="Cambria Math" panose="02040503050406030204" pitchFamily="18" charset="0"/>
+                </a:endParaRPr>
+              </a:p>
+              <a:p>
+                <a:r>
+                  <a:rPr lang="en-US" dirty="0">
+                    <a:latin typeface="Cambria Math" panose="02040503050406030204" pitchFamily="18" charset="0"/>
+                    <a:ea typeface="Cambria Math" panose="02040503050406030204" pitchFamily="18" charset="0"/>
+                  </a:rPr>
+                  <a:t>Assume Squared Error: MSE = </a:t>
+                </a:r>
+                <a14:m>
+                  <m:oMath xmlns:m="http://schemas.openxmlformats.org/officeDocument/2006/math">
+                    <m:nary>
+                      <m:naryPr>
+                        <m:chr m:val="∑"/>
+                        <m:subHide m:val="on"/>
+                        <m:supHide m:val="on"/>
+                        <m:ctrlPr>
+                          <a:rPr lang="en-US" i="1" smtClean="0">
+                            <a:latin typeface="Cambria Math" panose="02040503050406030204" pitchFamily="18" charset="0"/>
+                            <a:ea typeface="Cambria Math" panose="02040503050406030204" pitchFamily="18" charset="0"/>
+                          </a:rPr>
+                        </m:ctrlPr>
+                      </m:naryPr>
+                      <m:sub/>
+                      <m:sup/>
+                      <m:e>
+                        <m:r>
+                          <a:rPr lang="en-US" i="1" smtClean="0">
+                            <a:latin typeface="Cambria Math" panose="02040503050406030204" pitchFamily="18" charset="0"/>
+                            <a:ea typeface="Cambria Math" panose="02040503050406030204" pitchFamily="18" charset="0"/>
+                          </a:rPr>
+                          <m:t> </m:t>
+                        </m:r>
+                        <m:r>
+                          <a:rPr lang="en-US" b="0" i="1" smtClean="0">
+                            <a:latin typeface="Cambria Math" panose="02040503050406030204" pitchFamily="18" charset="0"/>
+                            <a:ea typeface="Cambria Math" panose="02040503050406030204" pitchFamily="18" charset="0"/>
+                          </a:rPr>
+                          <m:t>(</m:t>
+                        </m:r>
+                        <m:sSub>
+                          <m:sSubPr>
+                            <m:ctrlPr>
+                              <a:rPr lang="en-US" b="0" i="1" smtClean="0">
+                                <a:latin typeface="Cambria Math" panose="02040503050406030204" pitchFamily="18" charset="0"/>
+                                <a:ea typeface="Cambria Math" panose="02040503050406030204" pitchFamily="18" charset="0"/>
+                              </a:rPr>
+                            </m:ctrlPr>
+                          </m:sSubPr>
+                          <m:e>
+                            <m:r>
+                              <a:rPr lang="en-US" b="0" i="1" smtClean="0">
+                                <a:latin typeface="Cambria Math" panose="02040503050406030204" pitchFamily="18" charset="0"/>
+                                <a:ea typeface="Cambria Math" panose="02040503050406030204" pitchFamily="18" charset="0"/>
+                              </a:rPr>
+                              <m:t>𝑦</m:t>
+                            </m:r>
+                          </m:e>
+                          <m:sub>
+                            <m:r>
+                              <a:rPr lang="en-US" b="0" i="1" smtClean="0">
+                                <a:latin typeface="Cambria Math" panose="02040503050406030204" pitchFamily="18" charset="0"/>
+                                <a:ea typeface="Cambria Math" panose="02040503050406030204" pitchFamily="18" charset="0"/>
+                              </a:rPr>
+                              <m:t>𝑖</m:t>
+                            </m:r>
+                          </m:sub>
+                        </m:sSub>
+                      </m:e>
+                    </m:nary>
+                    <m:r>
+                      <a:rPr lang="en-US" b="0" i="1" smtClean="0">
+                        <a:latin typeface="Cambria Math" panose="02040503050406030204" pitchFamily="18" charset="0"/>
+                        <a:ea typeface="Cambria Math" panose="02040503050406030204" pitchFamily="18" charset="0"/>
+                      </a:rPr>
+                      <m:t>−</m:t>
+                    </m:r>
+                    <m:sSub>
+                      <m:sSubPr>
+                        <m:ctrlPr>
+                          <a:rPr lang="en-US" b="0" i="1" smtClean="0">
+                            <a:latin typeface="Cambria Math" panose="02040503050406030204" pitchFamily="18" charset="0"/>
+                            <a:ea typeface="Cambria Math" panose="02040503050406030204" pitchFamily="18" charset="0"/>
+                          </a:rPr>
+                        </m:ctrlPr>
+                      </m:sSubPr>
+                      <m:e>
+                        <m:acc>
+                          <m:accPr>
+                            <m:chr m:val="̂"/>
+                            <m:ctrlPr>
+                              <a:rPr lang="en-US" b="0" i="1" smtClean="0">
+                                <a:latin typeface="Cambria Math" panose="02040503050406030204" pitchFamily="18" charset="0"/>
+                                <a:ea typeface="Cambria Math" panose="02040503050406030204" pitchFamily="18" charset="0"/>
+                              </a:rPr>
+                            </m:ctrlPr>
+                          </m:accPr>
+                          <m:e>
+                            <m:r>
+                              <a:rPr lang="en-US" b="0" i="1" smtClean="0">
+                                <a:latin typeface="Cambria Math" panose="02040503050406030204" pitchFamily="18" charset="0"/>
+                                <a:ea typeface="Cambria Math" panose="02040503050406030204" pitchFamily="18" charset="0"/>
+                              </a:rPr>
+                              <m:t>𝑦</m:t>
+                            </m:r>
+                          </m:e>
+                        </m:acc>
+                      </m:e>
+                      <m:sub>
+                        <m:r>
+                          <a:rPr lang="en-US" b="0" i="1" smtClean="0">
+                            <a:latin typeface="Cambria Math" panose="02040503050406030204" pitchFamily="18" charset="0"/>
+                            <a:ea typeface="Cambria Math" panose="02040503050406030204" pitchFamily="18" charset="0"/>
+                          </a:rPr>
+                          <m:t>𝑖</m:t>
+                        </m:r>
+                      </m:sub>
+                    </m:sSub>
+                    <m:sSup>
+                      <m:sSupPr>
+                        <m:ctrlPr>
+                          <a:rPr lang="en-US" b="0" i="1" smtClean="0">
+                            <a:latin typeface="Cambria Math" panose="02040503050406030204" pitchFamily="18" charset="0"/>
+                            <a:ea typeface="Cambria Math" panose="02040503050406030204" pitchFamily="18" charset="0"/>
+                          </a:rPr>
+                        </m:ctrlPr>
+                      </m:sSupPr>
+                      <m:e>
+                        <m:r>
+                          <a:rPr lang="en-US" b="0" i="1" smtClean="0">
+                            <a:latin typeface="Cambria Math" panose="02040503050406030204" pitchFamily="18" charset="0"/>
+                            <a:ea typeface="Cambria Math" panose="02040503050406030204" pitchFamily="18" charset="0"/>
+                          </a:rPr>
+                          <m:t>)</m:t>
+                        </m:r>
+                      </m:e>
+                      <m:sup>
+                        <m:r>
+                          <a:rPr lang="en-US" b="0" i="1" smtClean="0">
+                            <a:latin typeface="Cambria Math" panose="02040503050406030204" pitchFamily="18" charset="0"/>
+                            <a:ea typeface="Cambria Math" panose="02040503050406030204" pitchFamily="18" charset="0"/>
+                          </a:rPr>
+                          <m:t>2</m:t>
+                        </m:r>
+                      </m:sup>
+                    </m:sSup>
+                  </m:oMath>
+                </a14:m>
+                <a:r>
+                  <a:rPr lang="en-US" dirty="0">
+                    <a:ea typeface="Cambria Math" panose="02040503050406030204" pitchFamily="18" charset="0"/>
+                  </a:rPr>
+                  <a:t>,</a:t>
+                </a:r>
+              </a:p>
+              <a:p>
+                <a:pPr marL="0" indent="0" algn="ctr">
+                  <a:buNone/>
+                </a:pPr>
+                <a:r>
+                  <a:rPr lang="en-US" dirty="0">
+                    <a:ea typeface="Cambria Math" panose="02040503050406030204" pitchFamily="18" charset="0"/>
+                  </a:rPr>
+                  <a:t> </a:t>
+                </a:r>
+                <a14:m>
+                  <m:oMath xmlns:m="http://schemas.openxmlformats.org/officeDocument/2006/math">
+                    <m:sSub>
+                      <m:sSubPr>
+                        <m:ctrlPr>
+                          <a:rPr lang="en-US" i="1">
+                            <a:latin typeface="Cambria Math" panose="02040503050406030204" pitchFamily="18" charset="0"/>
+                            <a:ea typeface="Cambria Math" panose="02040503050406030204" pitchFamily="18" charset="0"/>
+                          </a:rPr>
+                        </m:ctrlPr>
+                      </m:sSubPr>
+                      <m:e>
+                        <m:acc>
+                          <m:accPr>
+                            <m:chr m:val="̂"/>
+                            <m:ctrlPr>
+                              <a:rPr lang="en-US" i="1">
+                                <a:latin typeface="Cambria Math" panose="02040503050406030204" pitchFamily="18" charset="0"/>
+                                <a:ea typeface="Cambria Math" panose="02040503050406030204" pitchFamily="18" charset="0"/>
+                              </a:rPr>
+                            </m:ctrlPr>
+                          </m:accPr>
+                          <m:e>
+                            <m:r>
+                              <a:rPr lang="en-US" i="1">
+                                <a:latin typeface="Cambria Math" panose="02040503050406030204" pitchFamily="18" charset="0"/>
+                                <a:ea typeface="Cambria Math" panose="02040503050406030204" pitchFamily="18" charset="0"/>
+                              </a:rPr>
+                              <m:t>𝑦</m:t>
+                            </m:r>
+                          </m:e>
+                        </m:acc>
+                      </m:e>
+                      <m:sub>
+                        <m:r>
+                          <a:rPr lang="en-US" i="1">
+                            <a:latin typeface="Cambria Math" panose="02040503050406030204" pitchFamily="18" charset="0"/>
+                            <a:ea typeface="Cambria Math" panose="02040503050406030204" pitchFamily="18" charset="0"/>
+                          </a:rPr>
+                          <m:t>𝑖</m:t>
+                        </m:r>
+                      </m:sub>
+                    </m:sSub>
+                    <m:r>
+                      <a:rPr lang="en-US" i="1">
+                        <a:latin typeface="Cambria Math" panose="02040503050406030204" pitchFamily="18" charset="0"/>
+                        <a:ea typeface="Cambria Math" panose="02040503050406030204" pitchFamily="18" charset="0"/>
+                      </a:rPr>
+                      <m:t>=</m:t>
+                    </m:r>
+                    <m:r>
+                      <a:rPr lang="en-US" i="1">
+                        <a:latin typeface="Cambria Math" panose="02040503050406030204" pitchFamily="18" charset="0"/>
+                        <a:ea typeface="Cambria Math" panose="02040503050406030204" pitchFamily="18" charset="0"/>
+                      </a:rPr>
+                      <m:t>𝑖𝑡h</m:t>
+                    </m:r>
+                    <m:r>
+                      <a:rPr lang="en-US" i="1">
+                        <a:latin typeface="Cambria Math" panose="02040503050406030204" pitchFamily="18" charset="0"/>
+                        <a:ea typeface="Cambria Math" panose="02040503050406030204" pitchFamily="18" charset="0"/>
+                      </a:rPr>
+                      <m:t> </m:t>
+                    </m:r>
+                    <m:r>
+                      <a:rPr lang="en-US" i="1">
+                        <a:latin typeface="Cambria Math" panose="02040503050406030204" pitchFamily="18" charset="0"/>
+                        <a:ea typeface="Cambria Math" panose="02040503050406030204" pitchFamily="18" charset="0"/>
+                      </a:rPr>
+                      <m:t>𝑡𝑎𝑟𝑔𝑒𝑡</m:t>
+                    </m:r>
+                    <m:r>
+                      <a:rPr lang="en-US" i="1">
+                        <a:latin typeface="Cambria Math" panose="02040503050406030204" pitchFamily="18" charset="0"/>
+                        <a:ea typeface="Cambria Math" panose="02040503050406030204" pitchFamily="18" charset="0"/>
+                      </a:rPr>
+                      <m:t> </m:t>
+                    </m:r>
+                    <m:r>
+                      <a:rPr lang="en-US" i="1">
+                        <a:latin typeface="Cambria Math" panose="02040503050406030204" pitchFamily="18" charset="0"/>
+                        <a:ea typeface="Cambria Math" panose="02040503050406030204" pitchFamily="18" charset="0"/>
+                      </a:rPr>
+                      <m:t>𝑣𝑎𝑙𝑢𝑒</m:t>
+                    </m:r>
+                  </m:oMath>
+                </a14:m>
+                <a:r>
+                  <a:rPr lang="en-US" dirty="0">
+                    <a:ea typeface="Cambria Math" panose="02040503050406030204" pitchFamily="18" charset="0"/>
+                  </a:rPr>
+                  <a:t>, </a:t>
+                </a:r>
+                <a14:m>
+                  <m:oMath xmlns:m="http://schemas.openxmlformats.org/officeDocument/2006/math">
+                    <m:sSub>
+                      <m:sSubPr>
+                        <m:ctrlPr>
+                          <a:rPr lang="en-US" i="1">
+                            <a:latin typeface="Cambria Math" panose="02040503050406030204" pitchFamily="18" charset="0"/>
+                            <a:ea typeface="Cambria Math" panose="02040503050406030204" pitchFamily="18" charset="0"/>
+                          </a:rPr>
+                        </m:ctrlPr>
+                      </m:sSubPr>
+                      <m:e>
+                        <m:r>
+                          <a:rPr lang="en-US" i="1">
+                            <a:latin typeface="Cambria Math" panose="02040503050406030204" pitchFamily="18" charset="0"/>
+                            <a:ea typeface="Cambria Math" panose="02040503050406030204" pitchFamily="18" charset="0"/>
+                          </a:rPr>
+                          <m:t>𝑦</m:t>
+                        </m:r>
+                      </m:e>
+                      <m:sub>
+                        <m:r>
+                          <a:rPr lang="en-US" i="1">
+                            <a:latin typeface="Cambria Math" panose="02040503050406030204" pitchFamily="18" charset="0"/>
+                            <a:ea typeface="Cambria Math" panose="02040503050406030204" pitchFamily="18" charset="0"/>
+                          </a:rPr>
+                          <m:t>𝑖</m:t>
+                        </m:r>
+                      </m:sub>
+                    </m:sSub>
+                    <m:r>
+                      <a:rPr lang="en-US" i="1">
+                        <a:latin typeface="Cambria Math" panose="02040503050406030204" pitchFamily="18" charset="0"/>
+                        <a:ea typeface="Cambria Math" panose="02040503050406030204" pitchFamily="18" charset="0"/>
+                      </a:rPr>
+                      <m:t>=</m:t>
+                    </m:r>
+                    <m:r>
+                      <a:rPr lang="en-US" i="1">
+                        <a:latin typeface="Cambria Math" panose="02040503050406030204" pitchFamily="18" charset="0"/>
+                        <a:ea typeface="Cambria Math" panose="02040503050406030204" pitchFamily="18" charset="0"/>
+                      </a:rPr>
+                      <m:t>𝑖𝑡h</m:t>
+                    </m:r>
+                    <m:r>
+                      <a:rPr lang="en-US" i="1">
+                        <a:latin typeface="Cambria Math" panose="02040503050406030204" pitchFamily="18" charset="0"/>
+                        <a:ea typeface="Cambria Math" panose="02040503050406030204" pitchFamily="18" charset="0"/>
+                      </a:rPr>
+                      <m:t> </m:t>
+                    </m:r>
+                    <m:r>
+                      <a:rPr lang="en-US" i="1">
+                        <a:latin typeface="Cambria Math" panose="02040503050406030204" pitchFamily="18" charset="0"/>
+                        <a:ea typeface="Cambria Math" panose="02040503050406030204" pitchFamily="18" charset="0"/>
+                      </a:rPr>
+                      <m:t>𝑝𝑟𝑒𝑑𝑖𝑐𝑡𝑖𝑜𝑛</m:t>
+                    </m:r>
+                  </m:oMath>
+                </a14:m>
+                <a:endParaRPr lang="en-US" dirty="0">
+                  <a:latin typeface="Cambria Math" panose="02040503050406030204" pitchFamily="18" charset="0"/>
+                  <a:ea typeface="Cambria Math" panose="02040503050406030204" pitchFamily="18" charset="0"/>
+                </a:endParaRPr>
+              </a:p>
+              <a:p>
+                <a:endParaRPr lang="en-US" dirty="0">
+                  <a:latin typeface="Cambria Math" panose="02040503050406030204" pitchFamily="18" charset="0"/>
+                  <a:ea typeface="Cambria Math" panose="02040503050406030204" pitchFamily="18" charset="0"/>
+                </a:endParaRPr>
+              </a:p>
+              <a:p>
+                <a:r>
+                  <a:rPr lang="en-US" dirty="0">
+                    <a:latin typeface="Cambria Math" panose="02040503050406030204" pitchFamily="18" charset="0"/>
+                    <a:ea typeface="Cambria Math" panose="02040503050406030204" pitchFamily="18" charset="0"/>
+                  </a:rPr>
+                  <a:t>Use gradient descent: </a:t>
+                </a:r>
+              </a:p>
+              <a:p>
+                <a:pPr marL="0" indent="0" algn="ctr">
+                  <a:buNone/>
+                </a:pPr>
+                <a14:m>
+                  <m:oMath xmlns:m="http://schemas.openxmlformats.org/officeDocument/2006/math">
+                    <m:sSub>
+                      <m:sSubPr>
+                        <m:ctrlPr>
+                          <a:rPr lang="en-US" i="1">
+                            <a:latin typeface="Cambria Math" panose="02040503050406030204" pitchFamily="18" charset="0"/>
+                            <a:ea typeface="Cambria Math" panose="02040503050406030204" pitchFamily="18" charset="0"/>
+                          </a:rPr>
+                        </m:ctrlPr>
+                      </m:sSubPr>
+                      <m:e>
+                        <m:acc>
+                          <m:accPr>
+                            <m:chr m:val="̂"/>
+                            <m:ctrlPr>
+                              <a:rPr lang="en-US" i="1">
+                                <a:latin typeface="Cambria Math" panose="02040503050406030204" pitchFamily="18" charset="0"/>
+                                <a:ea typeface="Cambria Math" panose="02040503050406030204" pitchFamily="18" charset="0"/>
+                              </a:rPr>
+                            </m:ctrlPr>
+                          </m:accPr>
+                          <m:e>
+                            <m:r>
+                              <a:rPr lang="en-US" i="1">
+                                <a:latin typeface="Cambria Math" panose="02040503050406030204" pitchFamily="18" charset="0"/>
+                                <a:ea typeface="Cambria Math" panose="02040503050406030204" pitchFamily="18" charset="0"/>
+                              </a:rPr>
+                              <m:t>𝑦</m:t>
+                            </m:r>
+                          </m:e>
+                        </m:acc>
+                      </m:e>
+                      <m:sub>
+                        <m:r>
+                          <a:rPr lang="en-US" i="1">
+                            <a:latin typeface="Cambria Math" panose="02040503050406030204" pitchFamily="18" charset="0"/>
+                            <a:ea typeface="Cambria Math" panose="02040503050406030204" pitchFamily="18" charset="0"/>
+                          </a:rPr>
+                          <m:t>𝑖</m:t>
+                        </m:r>
+                        <m:r>
+                          <a:rPr lang="en-US" b="0" i="1" smtClean="0">
+                            <a:latin typeface="Cambria Math" panose="02040503050406030204" pitchFamily="18" charset="0"/>
+                            <a:ea typeface="Cambria Math" panose="02040503050406030204" pitchFamily="18" charset="0"/>
+                          </a:rPr>
+                          <m:t>+1</m:t>
+                        </m:r>
+                      </m:sub>
+                    </m:sSub>
+                    <m:r>
+                      <a:rPr lang="en-US" b="0" i="1" smtClean="0">
+                        <a:latin typeface="Cambria Math" panose="02040503050406030204" pitchFamily="18" charset="0"/>
+                        <a:ea typeface="Cambria Math" panose="02040503050406030204" pitchFamily="18" charset="0"/>
+                      </a:rPr>
+                      <m:t>=</m:t>
+                    </m:r>
+                    <m:sSub>
+                      <m:sSubPr>
+                        <m:ctrlPr>
+                          <a:rPr lang="en-US" i="1">
+                            <a:latin typeface="Cambria Math" panose="02040503050406030204" pitchFamily="18" charset="0"/>
+                            <a:ea typeface="Cambria Math" panose="02040503050406030204" pitchFamily="18" charset="0"/>
+                          </a:rPr>
+                        </m:ctrlPr>
+                      </m:sSubPr>
+                      <m:e>
+                        <m:acc>
+                          <m:accPr>
+                            <m:chr m:val="̂"/>
+                            <m:ctrlPr>
+                              <a:rPr lang="en-US" i="1">
+                                <a:latin typeface="Cambria Math" panose="02040503050406030204" pitchFamily="18" charset="0"/>
+                                <a:ea typeface="Cambria Math" panose="02040503050406030204" pitchFamily="18" charset="0"/>
+                              </a:rPr>
+                            </m:ctrlPr>
+                          </m:accPr>
+                          <m:e>
+                            <m:r>
+                              <a:rPr lang="en-US" i="1">
+                                <a:latin typeface="Cambria Math" panose="02040503050406030204" pitchFamily="18" charset="0"/>
+                                <a:ea typeface="Cambria Math" panose="02040503050406030204" pitchFamily="18" charset="0"/>
+                              </a:rPr>
+                              <m:t>𝑦</m:t>
+                            </m:r>
+                          </m:e>
+                        </m:acc>
+                      </m:e>
+                      <m:sub>
+                        <m:r>
+                          <a:rPr lang="en-US" i="1">
+                            <a:latin typeface="Cambria Math" panose="02040503050406030204" pitchFamily="18" charset="0"/>
+                            <a:ea typeface="Cambria Math" panose="02040503050406030204" pitchFamily="18" charset="0"/>
+                          </a:rPr>
+                          <m:t>𝑖</m:t>
+                        </m:r>
+                      </m:sub>
+                    </m:sSub>
+                    <m:r>
+                      <a:rPr lang="en-US" b="0" i="1" smtClean="0">
+                        <a:latin typeface="Cambria Math" panose="02040503050406030204" pitchFamily="18" charset="0"/>
+                        <a:ea typeface="Cambria Math" panose="02040503050406030204" pitchFamily="18" charset="0"/>
+                      </a:rPr>
+                      <m:t>+</m:t>
+                    </m:r>
+                    <m:r>
+                      <a:rPr lang="en-US" b="0" i="1" smtClean="0">
+                        <a:latin typeface="Cambria Math" panose="02040503050406030204" pitchFamily="18" charset="0"/>
+                        <a:ea typeface="Cambria Math" panose="02040503050406030204" pitchFamily="18" charset="0"/>
+                      </a:rPr>
+                      <m:t>𝜆</m:t>
+                    </m:r>
+                    <m:f>
+                      <m:fPr>
+                        <m:ctrlPr>
+                          <a:rPr lang="en-US" b="0" i="1" smtClean="0">
+                            <a:latin typeface="Cambria Math" panose="02040503050406030204" pitchFamily="18" charset="0"/>
+                            <a:ea typeface="Cambria Math" panose="02040503050406030204" pitchFamily="18" charset="0"/>
+                          </a:rPr>
+                        </m:ctrlPr>
+                      </m:fPr>
+                      <m:num>
+                        <m:r>
+                          <a:rPr lang="el-GR" b="0" i="1" smtClean="0">
+                            <a:latin typeface="Cambria Math" panose="02040503050406030204" pitchFamily="18" charset="0"/>
+                            <a:ea typeface="Cambria Math" panose="02040503050406030204" pitchFamily="18" charset="0"/>
+                          </a:rPr>
+                          <m:t>𝛿</m:t>
+                        </m:r>
+                        <m:nary>
+                          <m:naryPr>
+                            <m:chr m:val="∑"/>
+                            <m:subHide m:val="on"/>
+                            <m:supHide m:val="on"/>
+                            <m:ctrlPr>
+                              <a:rPr lang="el-GR" b="0" i="1" smtClean="0">
+                                <a:latin typeface="Cambria Math" panose="02040503050406030204" pitchFamily="18" charset="0"/>
+                                <a:ea typeface="Cambria Math" panose="02040503050406030204" pitchFamily="18" charset="0"/>
+                              </a:rPr>
+                            </m:ctrlPr>
+                          </m:naryPr>
+                          <m:sub/>
+                          <m:sup/>
+                          <m:e>
+                            <m:r>
+                              <a:rPr lang="en-US" b="0" i="1" smtClean="0">
+                                <a:latin typeface="Cambria Math" panose="02040503050406030204" pitchFamily="18" charset="0"/>
+                                <a:ea typeface="Cambria Math" panose="02040503050406030204" pitchFamily="18" charset="0"/>
+                              </a:rPr>
+                              <m:t>(</m:t>
+                            </m:r>
+                            <m:sSub>
+                              <m:sSubPr>
+                                <m:ctrlPr>
+                                  <a:rPr lang="en-US" b="0" i="1" smtClean="0">
+                                    <a:latin typeface="Cambria Math" panose="02040503050406030204" pitchFamily="18" charset="0"/>
+                                    <a:ea typeface="Cambria Math" panose="02040503050406030204" pitchFamily="18" charset="0"/>
+                                  </a:rPr>
+                                </m:ctrlPr>
+                              </m:sSubPr>
+                              <m:e>
+                                <m:r>
+                                  <a:rPr lang="en-US" b="0" i="1" smtClean="0">
+                                    <a:latin typeface="Cambria Math" panose="02040503050406030204" pitchFamily="18" charset="0"/>
+                                    <a:ea typeface="Cambria Math" panose="02040503050406030204" pitchFamily="18" charset="0"/>
+                                  </a:rPr>
+                                  <m:t>𝑦</m:t>
+                                </m:r>
+                              </m:e>
+                              <m:sub>
+                                <m:r>
+                                  <a:rPr lang="en-US" b="0" i="1" smtClean="0">
+                                    <a:latin typeface="Cambria Math" panose="02040503050406030204" pitchFamily="18" charset="0"/>
+                                    <a:ea typeface="Cambria Math" panose="02040503050406030204" pitchFamily="18" charset="0"/>
+                                  </a:rPr>
+                                  <m:t>𝑖</m:t>
+                                </m:r>
+                              </m:sub>
+                            </m:sSub>
+                            <m:r>
+                              <a:rPr lang="en-US" b="0" i="1" smtClean="0">
+                                <a:latin typeface="Cambria Math" panose="02040503050406030204" pitchFamily="18" charset="0"/>
+                                <a:ea typeface="Cambria Math" panose="02040503050406030204" pitchFamily="18" charset="0"/>
+                              </a:rPr>
+                              <m:t>−</m:t>
+                            </m:r>
+                            <m:sSub>
+                              <m:sSubPr>
+                                <m:ctrlPr>
+                                  <a:rPr lang="en-US" b="0" i="1" smtClean="0">
+                                    <a:latin typeface="Cambria Math" panose="02040503050406030204" pitchFamily="18" charset="0"/>
+                                    <a:ea typeface="Cambria Math" panose="02040503050406030204" pitchFamily="18" charset="0"/>
+                                  </a:rPr>
+                                </m:ctrlPr>
+                              </m:sSubPr>
+                              <m:e>
+                                <m:acc>
+                                  <m:accPr>
+                                    <m:chr m:val="̂"/>
+                                    <m:ctrlPr>
+                                      <a:rPr lang="en-US" b="0" i="1" smtClean="0">
+                                        <a:latin typeface="Cambria Math" panose="02040503050406030204" pitchFamily="18" charset="0"/>
+                                        <a:ea typeface="Cambria Math" panose="02040503050406030204" pitchFamily="18" charset="0"/>
+                                      </a:rPr>
+                                    </m:ctrlPr>
+                                  </m:accPr>
+                                  <m:e>
+                                    <m:r>
+                                      <a:rPr lang="en-US" b="0" i="1" smtClean="0">
+                                        <a:latin typeface="Cambria Math" panose="02040503050406030204" pitchFamily="18" charset="0"/>
+                                        <a:ea typeface="Cambria Math" panose="02040503050406030204" pitchFamily="18" charset="0"/>
+                                      </a:rPr>
+                                      <m:t>𝑦</m:t>
+                                    </m:r>
+                                  </m:e>
+                                </m:acc>
+                              </m:e>
+                              <m:sub>
+                                <m:r>
+                                  <a:rPr lang="en-US" b="0" i="1" smtClean="0">
+                                    <a:latin typeface="Cambria Math" panose="02040503050406030204" pitchFamily="18" charset="0"/>
+                                    <a:ea typeface="Cambria Math" panose="02040503050406030204" pitchFamily="18" charset="0"/>
+                                  </a:rPr>
+                                  <m:t>𝑖</m:t>
+                                </m:r>
+                              </m:sub>
+                            </m:sSub>
+                            <m:sSup>
+                              <m:sSupPr>
+                                <m:ctrlPr>
+                                  <a:rPr lang="en-US" b="0" i="1" smtClean="0">
+                                    <a:latin typeface="Cambria Math" panose="02040503050406030204" pitchFamily="18" charset="0"/>
+                                    <a:ea typeface="Cambria Math" panose="02040503050406030204" pitchFamily="18" charset="0"/>
+                                  </a:rPr>
+                                </m:ctrlPr>
+                              </m:sSupPr>
+                              <m:e>
+                                <m:r>
+                                  <a:rPr lang="en-US" b="0" i="1" smtClean="0">
+                                    <a:latin typeface="Cambria Math" panose="02040503050406030204" pitchFamily="18" charset="0"/>
+                                    <a:ea typeface="Cambria Math" panose="02040503050406030204" pitchFamily="18" charset="0"/>
+                                  </a:rPr>
+                                  <m:t>)</m:t>
+                                </m:r>
+                              </m:e>
+                              <m:sup>
+                                <m:r>
+                                  <a:rPr lang="en-US" b="0" i="1" smtClean="0">
+                                    <a:latin typeface="Cambria Math" panose="02040503050406030204" pitchFamily="18" charset="0"/>
+                                    <a:ea typeface="Cambria Math" panose="02040503050406030204" pitchFamily="18" charset="0"/>
+                                  </a:rPr>
+                                  <m:t>2</m:t>
+                                </m:r>
+                              </m:sup>
+                            </m:sSup>
+                          </m:e>
+                        </m:nary>
+                      </m:num>
+                      <m:den>
+                        <m:r>
+                          <a:rPr lang="el-GR" b="0" i="1" smtClean="0">
+                            <a:latin typeface="Cambria Math" panose="02040503050406030204" pitchFamily="18" charset="0"/>
+                            <a:ea typeface="Cambria Math" panose="02040503050406030204" pitchFamily="18" charset="0"/>
+                          </a:rPr>
+                          <m:t>𝛿</m:t>
+                        </m:r>
+                        <m:sSub>
+                          <m:sSubPr>
+                            <m:ctrlPr>
+                              <a:rPr lang="en-US" i="1">
+                                <a:latin typeface="Cambria Math" panose="02040503050406030204" pitchFamily="18" charset="0"/>
+                                <a:ea typeface="Cambria Math" panose="02040503050406030204" pitchFamily="18" charset="0"/>
+                              </a:rPr>
+                            </m:ctrlPr>
+                          </m:sSubPr>
+                          <m:e>
+                            <m:acc>
+                              <m:accPr>
+                                <m:chr m:val="̂"/>
+                                <m:ctrlPr>
+                                  <a:rPr lang="en-US" i="1">
+                                    <a:latin typeface="Cambria Math" panose="02040503050406030204" pitchFamily="18" charset="0"/>
+                                    <a:ea typeface="Cambria Math" panose="02040503050406030204" pitchFamily="18" charset="0"/>
+                                  </a:rPr>
+                                </m:ctrlPr>
+                              </m:accPr>
+                              <m:e>
+                                <m:r>
+                                  <a:rPr lang="en-US" i="1">
+                                    <a:latin typeface="Cambria Math" panose="02040503050406030204" pitchFamily="18" charset="0"/>
+                                    <a:ea typeface="Cambria Math" panose="02040503050406030204" pitchFamily="18" charset="0"/>
+                                  </a:rPr>
+                                  <m:t>𝑦</m:t>
+                                </m:r>
+                              </m:e>
+                            </m:acc>
+                          </m:e>
+                          <m:sub>
+                            <m:r>
+                              <a:rPr lang="en-US" i="1">
+                                <a:latin typeface="Cambria Math" panose="02040503050406030204" pitchFamily="18" charset="0"/>
+                                <a:ea typeface="Cambria Math" panose="02040503050406030204" pitchFamily="18" charset="0"/>
+                              </a:rPr>
+                              <m:t>𝑖</m:t>
+                            </m:r>
+                          </m:sub>
+                        </m:sSub>
+                      </m:den>
+                    </m:f>
+                  </m:oMath>
+                </a14:m>
+                <a:r>
+                  <a:rPr lang="en-US" dirty="0">
+                    <a:ea typeface="Cambria Math" panose="02040503050406030204" pitchFamily="18" charset="0"/>
+                  </a:rPr>
+                  <a:t>, </a:t>
+                </a:r>
+                <a14:m>
+                  <m:oMath xmlns:m="http://schemas.openxmlformats.org/officeDocument/2006/math">
+                    <m:r>
+                      <a:rPr lang="en-US" i="1">
+                        <a:latin typeface="Cambria Math" panose="02040503050406030204" pitchFamily="18" charset="0"/>
+                        <a:ea typeface="Cambria Math" panose="02040503050406030204" pitchFamily="18" charset="0"/>
+                      </a:rPr>
+                      <m:t>𝜆</m:t>
+                    </m:r>
+                  </m:oMath>
+                </a14:m>
+                <a:r>
+                  <a:rPr lang="en-US" dirty="0">
+                    <a:latin typeface="Cambria Math" panose="02040503050406030204" pitchFamily="18" charset="0"/>
+                    <a:ea typeface="Cambria Math" panose="02040503050406030204" pitchFamily="18" charset="0"/>
+                  </a:rPr>
+                  <a:t> is the learn rate</a:t>
+                </a:r>
+              </a:p>
+            </p:txBody>
+          </p:sp>
+        </mc:Choice>
+        <mc:Fallback xmlns="">
+          <p:sp>
+            <p:nvSpPr>
+              <p:cNvPr id="3" name="Content Placeholder 2">
+                <a:extLst>
+                  <a:ext uri="{FF2B5EF4-FFF2-40B4-BE49-F238E27FC236}">
+                    <a16:creationId xmlns:a16="http://schemas.microsoft.com/office/drawing/2014/main" id="{1404FB81-6A8F-3C44-BED5-63101E822073}"/>
+                  </a:ext>
+                </a:extLst>
+              </p:cNvPr>
+              <p:cNvSpPr>
+                <a:spLocks noGrp="1" noRot="1" noChangeAspect="1" noMove="1" noResize="1" noEditPoints="1" noAdjustHandles="1" noChangeArrowheads="1" noChangeShapeType="1" noTextEdit="1"/>
+              </p:cNvSpPr>
+              <p:nvPr>
+                <p:ph idx="1"/>
+              </p:nvPr>
+            </p:nvSpPr>
+            <p:spPr>
+              <a:xfrm>
+                <a:off x="864523" y="1614750"/>
+                <a:ext cx="10623665" cy="4902428"/>
+              </a:xfrm>
+              <a:blipFill>
+                <a:blip r:embed="rId2"/>
+                <a:stretch>
+                  <a:fillRect l="-597" t="-775" b="-2067"/>
+                </a:stretch>
+              </a:blipFill>
+            </p:spPr>
+            <p:txBody>
+              <a:bodyPr/>
+              <a:lstStyle/>
+              <a:p>
+                <a:r>
+                  <a:rPr lang="en-US">
+                    <a:noFill/>
+                  </a:rPr>
+                  <a:t> </a:t>
+                </a:r>
+              </a:p>
+            </p:txBody>
+          </p:sp>
+        </mc:Fallback>
+      </mc:AlternateContent>
     </p:spTree>
     <p:extLst>
       <p:ext uri="{BB962C8B-B14F-4D97-AF65-F5344CB8AC3E}">
-        <p14:creationId xmlns:p14="http://schemas.microsoft.com/office/powerpoint/2010/main" val="924944589"/>
+        <p14:creationId xmlns:p14="http://schemas.microsoft.com/office/powerpoint/2010/main" val="1853084637"/>
       </p:ext>
     </p:extLst>
   </p:cSld>
@@ -5165,7 +7121,13 @@
       </p:grpSpPr>
       <p:sp>
         <p:nvSpPr>
-          <p:cNvPr id="2" name="Title 1"/>
+          <p:cNvPr id="2" name="Title 1">
+            <a:extLst>
+              <a:ext uri="{FF2B5EF4-FFF2-40B4-BE49-F238E27FC236}">
+                <a16:creationId xmlns:a16="http://schemas.microsoft.com/office/drawing/2014/main" id="{0EDBA3C8-A9F3-F642-AEE7-E2477133A77F}"/>
+              </a:ext>
+            </a:extLst>
+          </p:cNvPr>
           <p:cNvSpPr>
             <a:spLocks noGrp="1"/>
           </p:cNvSpPr>
@@ -5180,43 +7142,50 @@
           <a:p>
             <a:r>
               <a:rPr lang="en-US" dirty="0"/>
-              <a:t>What is GBM?</a:t>
+              <a:t>XGB runtime</a:t>
             </a:r>
           </a:p>
         </p:txBody>
       </p:sp>
-      <p:sp>
-        <p:nvSpPr>
-          <p:cNvPr id="3" name="Text Placeholder 2"/>
-          <p:cNvSpPr>
-            <a:spLocks noGrp="1"/>
-          </p:cNvSpPr>
+      <p:pic>
+        <p:nvPicPr>
+          <p:cNvPr id="9" name="Content Placeholder 8">
+            <a:extLst>
+              <a:ext uri="{FF2B5EF4-FFF2-40B4-BE49-F238E27FC236}">
+                <a16:creationId xmlns:a16="http://schemas.microsoft.com/office/drawing/2014/main" id="{A1B1AB04-9CC4-4244-B8A5-3B98370EA52E}"/>
+              </a:ext>
+            </a:extLst>
+          </p:cNvPr>
+          <p:cNvPicPr>
+            <a:picLocks noGrp="1" noChangeAspect="1"/>
+          </p:cNvPicPr>
           <p:nvPr>
-            <p:ph type="body" idx="1"/>
+            <p:ph idx="1"/>
           </p:nvPr>
-        </p:nvSpPr>
-        <p:spPr/>
-        <p:txBody>
-          <a:bodyPr/>
-          <a:lstStyle/>
-          <a:p>
-            <a:r>
-              <a:rPr lang="en-US" dirty="0">
-                <a:solidFill>
-                  <a:schemeClr val="tx1">
-                    <a:lumMod val="95000"/>
-                  </a:schemeClr>
-                </a:solidFill>
-              </a:rPr>
-              <a:t>Statement of the problem</a:t>
-            </a:r>
-          </a:p>
-        </p:txBody>
-      </p:sp>
+        </p:nvPicPr>
+        <p:blipFill>
+          <a:blip r:embed="rId2">
+            <a:extLst>
+              <a:ext uri="{28A0092B-C50C-407E-A947-70E740481C1C}">
+                <a14:useLocalDpi xmlns:a14="http://schemas.microsoft.com/office/drawing/2010/main" val="0"/>
+              </a:ext>
+            </a:extLst>
+          </a:blip>
+          <a:stretch>
+            <a:fillRect/>
+          </a:stretch>
+        </p:blipFill>
+        <p:spPr>
+          <a:xfrm>
+            <a:off x="2660075" y="1514502"/>
+            <a:ext cx="6999316" cy="5261724"/>
+          </a:xfrm>
+        </p:spPr>
+      </p:pic>
     </p:spTree>
     <p:extLst>
       <p:ext uri="{BB962C8B-B14F-4D97-AF65-F5344CB8AC3E}">
-        <p14:creationId xmlns:p14="http://schemas.microsoft.com/office/powerpoint/2010/main" val="3844722088"/>
+        <p14:creationId xmlns:p14="http://schemas.microsoft.com/office/powerpoint/2010/main" val="4075692278"/>
       </p:ext>
     </p:extLst>
   </p:cSld>
@@ -5257,7 +7226,13 @@
       </p:grpSpPr>
       <p:sp>
         <p:nvSpPr>
-          <p:cNvPr id="2" name="Title 1"/>
+          <p:cNvPr id="2" name="Title 1">
+            <a:extLst>
+              <a:ext uri="{FF2B5EF4-FFF2-40B4-BE49-F238E27FC236}">
+                <a16:creationId xmlns:a16="http://schemas.microsoft.com/office/drawing/2014/main" id="{54C827B5-8998-CB43-9F5F-0EA76D27CAA1}"/>
+              </a:ext>
+            </a:extLst>
+          </p:cNvPr>
           <p:cNvSpPr>
             <a:spLocks noGrp="1"/>
           </p:cNvSpPr>
@@ -5272,43 +7247,834 @@
           <a:p>
             <a:r>
               <a:rPr lang="en-US" dirty="0"/>
-              <a:t>What is GBM?</a:t>
+              <a:t>XBG Model Specification</a:t>
             </a:r>
           </a:p>
         </p:txBody>
       </p:sp>
-      <p:sp>
-        <p:nvSpPr>
-          <p:cNvPr id="3" name="Text Placeholder 2"/>
-          <p:cNvSpPr>
-            <a:spLocks noGrp="1"/>
-          </p:cNvSpPr>
-          <p:nvPr>
-            <p:ph type="body" idx="1"/>
-          </p:nvPr>
-        </p:nvSpPr>
-        <p:spPr/>
-        <p:txBody>
-          <a:bodyPr/>
-          <a:lstStyle/>
-          <a:p>
-            <a:r>
-              <a:rPr lang="en-US" dirty="0">
-                <a:solidFill>
-                  <a:schemeClr val="tx1">
-                    <a:lumMod val="95000"/>
-                  </a:schemeClr>
-                </a:solidFill>
-              </a:rPr>
-              <a:t>Statement of the problem</a:t>
-            </a:r>
-          </a:p>
-        </p:txBody>
-      </p:sp>
+      <mc:AlternateContent xmlns:mc="http://schemas.openxmlformats.org/markup-compatibility/2006" xmlns:a14="http://schemas.microsoft.com/office/drawing/2010/main">
+        <mc:Choice Requires="a14">
+          <p:sp>
+            <p:nvSpPr>
+              <p:cNvPr id="3" name="Content Placeholder 2">
+                <a:extLst>
+                  <a:ext uri="{FF2B5EF4-FFF2-40B4-BE49-F238E27FC236}">
+                    <a16:creationId xmlns:a16="http://schemas.microsoft.com/office/drawing/2014/main" id="{1404FB81-6A8F-3C44-BED5-63101E822073}"/>
+                  </a:ext>
+                </a:extLst>
+              </p:cNvPr>
+              <p:cNvSpPr>
+                <a:spLocks noGrp="1"/>
+              </p:cNvSpPr>
+              <p:nvPr>
+                <p:ph idx="1"/>
+              </p:nvPr>
+            </p:nvSpPr>
+            <p:spPr>
+              <a:xfrm>
+                <a:off x="864524" y="1714500"/>
+                <a:ext cx="10260676" cy="4807324"/>
+              </a:xfrm>
+            </p:spPr>
+            <p:txBody>
+              <a:bodyPr>
+                <a:normAutofit lnSpcReduction="10000"/>
+              </a:bodyPr>
+              <a:lstStyle/>
+              <a:p>
+                <a:r>
+                  <a:rPr lang="en-US" dirty="0">
+                    <a:latin typeface="Cambria Math" panose="02040503050406030204" pitchFamily="18" charset="0"/>
+                    <a:ea typeface="Cambria Math" panose="02040503050406030204" pitchFamily="18" charset="0"/>
+                  </a:rPr>
+                  <a:t>Regularization is an important part of the XGB model to present overfitting.</a:t>
+                </a:r>
+              </a:p>
+              <a:p>
+                <a:pPr marL="0" indent="0" algn="ctr">
+                  <a:buNone/>
+                </a:pPr>
+                <a14:m>
+                  <m:oMath xmlns:m="http://schemas.openxmlformats.org/officeDocument/2006/math">
+                    <m:r>
+                      <m:rPr>
+                        <m:sty m:val="p"/>
+                      </m:rPr>
+                      <a:rPr lang="el-GR" i="1">
+                        <a:latin typeface="Cambria Math" panose="02040503050406030204" pitchFamily="18" charset="0"/>
+                        <a:ea typeface="Cambria Math" panose="02040503050406030204" pitchFamily="18" charset="0"/>
+                      </a:rPr>
+                      <m:t>Ω</m:t>
+                    </m:r>
+                    <m:r>
+                      <a:rPr lang="en-US" i="1">
+                        <a:latin typeface="Cambria Math" panose="02040503050406030204" pitchFamily="18" charset="0"/>
+                        <a:ea typeface="Cambria Math" panose="02040503050406030204" pitchFamily="18" charset="0"/>
+                      </a:rPr>
+                      <m:t>=</m:t>
+                    </m:r>
+                    <m:r>
+                      <a:rPr lang="en-US" i="1">
+                        <a:latin typeface="Cambria Math" panose="02040503050406030204" pitchFamily="18" charset="0"/>
+                        <a:ea typeface="Cambria Math" panose="02040503050406030204" pitchFamily="18" charset="0"/>
+                      </a:rPr>
+                      <m:t>𝛾</m:t>
+                    </m:r>
+                    <m:r>
+                      <a:rPr lang="en-US" i="1">
+                        <a:latin typeface="Cambria Math" panose="02040503050406030204" pitchFamily="18" charset="0"/>
+                        <a:ea typeface="Cambria Math" panose="02040503050406030204" pitchFamily="18" charset="0"/>
+                      </a:rPr>
+                      <m:t>𝑇</m:t>
+                    </m:r>
+                    <m:r>
+                      <a:rPr lang="en-US" i="1">
+                        <a:latin typeface="Cambria Math" panose="02040503050406030204" pitchFamily="18" charset="0"/>
+                        <a:ea typeface="Cambria Math" panose="02040503050406030204" pitchFamily="18" charset="0"/>
+                      </a:rPr>
+                      <m:t>+</m:t>
+                    </m:r>
+                    <m:f>
+                      <m:fPr>
+                        <m:ctrlPr>
+                          <a:rPr lang="en-US" i="1">
+                            <a:latin typeface="Cambria Math" panose="02040503050406030204" pitchFamily="18" charset="0"/>
+                            <a:ea typeface="Cambria Math" panose="02040503050406030204" pitchFamily="18" charset="0"/>
+                          </a:rPr>
+                        </m:ctrlPr>
+                      </m:fPr>
+                      <m:num>
+                        <m:r>
+                          <a:rPr lang="en-US" i="1">
+                            <a:latin typeface="Cambria Math" panose="02040503050406030204" pitchFamily="18" charset="0"/>
+                            <a:ea typeface="Cambria Math" panose="02040503050406030204" pitchFamily="18" charset="0"/>
+                          </a:rPr>
+                          <m:t>1</m:t>
+                        </m:r>
+                      </m:num>
+                      <m:den>
+                        <m:r>
+                          <a:rPr lang="en-US" i="1">
+                            <a:latin typeface="Cambria Math" panose="02040503050406030204" pitchFamily="18" charset="0"/>
+                            <a:ea typeface="Cambria Math" panose="02040503050406030204" pitchFamily="18" charset="0"/>
+                          </a:rPr>
+                          <m:t>2</m:t>
+                        </m:r>
+                      </m:den>
+                    </m:f>
+                    <m:r>
+                      <a:rPr lang="en-US" i="1">
+                        <a:latin typeface="Cambria Math" panose="02040503050406030204" pitchFamily="18" charset="0"/>
+                        <a:ea typeface="Cambria Math" panose="02040503050406030204" pitchFamily="18" charset="0"/>
+                      </a:rPr>
+                      <m:t>𝜆</m:t>
+                    </m:r>
+                    <m:nary>
+                      <m:naryPr>
+                        <m:chr m:val="∑"/>
+                        <m:ctrlPr>
+                          <a:rPr lang="en-US" i="1">
+                            <a:latin typeface="Cambria Math" panose="02040503050406030204" pitchFamily="18" charset="0"/>
+                            <a:ea typeface="Cambria Math" panose="02040503050406030204" pitchFamily="18" charset="0"/>
+                          </a:rPr>
+                        </m:ctrlPr>
+                      </m:naryPr>
+                      <m:sub>
+                        <m:r>
+                          <m:rPr>
+                            <m:brk m:alnAt="23"/>
+                          </m:rPr>
+                          <a:rPr lang="en-US" i="1">
+                            <a:latin typeface="Cambria Math" panose="02040503050406030204" pitchFamily="18" charset="0"/>
+                            <a:ea typeface="Cambria Math" panose="02040503050406030204" pitchFamily="18" charset="0"/>
+                          </a:rPr>
+                          <m:t>𝑗</m:t>
+                        </m:r>
+                        <m:r>
+                          <a:rPr lang="en-US" i="1">
+                            <a:latin typeface="Cambria Math" panose="02040503050406030204" pitchFamily="18" charset="0"/>
+                            <a:ea typeface="Cambria Math" panose="02040503050406030204" pitchFamily="18" charset="0"/>
+                          </a:rPr>
+                          <m:t>=1</m:t>
+                        </m:r>
+                      </m:sub>
+                      <m:sup>
+                        <m:r>
+                          <a:rPr lang="en-US" i="1">
+                            <a:latin typeface="Cambria Math" panose="02040503050406030204" pitchFamily="18" charset="0"/>
+                            <a:ea typeface="Cambria Math" panose="02040503050406030204" pitchFamily="18" charset="0"/>
+                          </a:rPr>
+                          <m:t>𝑇</m:t>
+                        </m:r>
+                      </m:sup>
+                      <m:e>
+                        <m:sSubSup>
+                          <m:sSubSupPr>
+                            <m:ctrlPr>
+                              <a:rPr lang="en-US" i="1">
+                                <a:latin typeface="Cambria Math" panose="02040503050406030204" pitchFamily="18" charset="0"/>
+                                <a:ea typeface="Cambria Math" panose="02040503050406030204" pitchFamily="18" charset="0"/>
+                              </a:rPr>
+                            </m:ctrlPr>
+                          </m:sSubSupPr>
+                          <m:e>
+                            <m:r>
+                              <a:rPr lang="en-US" i="1">
+                                <a:latin typeface="Cambria Math" panose="02040503050406030204" pitchFamily="18" charset="0"/>
+                                <a:ea typeface="Cambria Math" panose="02040503050406030204" pitchFamily="18" charset="0"/>
+                              </a:rPr>
+                              <m:t>𝑤</m:t>
+                            </m:r>
+                          </m:e>
+                          <m:sub>
+                            <m:r>
+                              <a:rPr lang="en-US" i="1">
+                                <a:latin typeface="Cambria Math" panose="02040503050406030204" pitchFamily="18" charset="0"/>
+                                <a:ea typeface="Cambria Math" panose="02040503050406030204" pitchFamily="18" charset="0"/>
+                              </a:rPr>
+                              <m:t>𝑗</m:t>
+                            </m:r>
+                          </m:sub>
+                          <m:sup>
+                            <m:r>
+                              <a:rPr lang="en-US" i="1">
+                                <a:latin typeface="Cambria Math" panose="02040503050406030204" pitchFamily="18" charset="0"/>
+                                <a:ea typeface="Cambria Math" panose="02040503050406030204" pitchFamily="18" charset="0"/>
+                              </a:rPr>
+                              <m:t>2</m:t>
+                            </m:r>
+                          </m:sup>
+                        </m:sSubSup>
+                      </m:e>
+                    </m:nary>
+                  </m:oMath>
+                </a14:m>
+                <a:r>
+                  <a:rPr lang="en-US" dirty="0">
+                    <a:latin typeface="Cambria Math" panose="02040503050406030204" pitchFamily="18" charset="0"/>
+                    <a:ea typeface="Cambria Math" panose="02040503050406030204" pitchFamily="18" charset="0"/>
+                  </a:rPr>
+                  <a:t>, </a:t>
+                </a:r>
+              </a:p>
+              <a:p>
+                <a:pPr marL="0" indent="0" algn="ctr">
+                  <a:buNone/>
+                </a:pPr>
+                <a:r>
+                  <a:rPr lang="en-US" i="1" dirty="0">
+                    <a:latin typeface="Cambria Math" panose="02040503050406030204" pitchFamily="18" charset="0"/>
+                    <a:ea typeface="Cambria Math" panose="02040503050406030204" pitchFamily="18" charset="0"/>
+                  </a:rPr>
+                  <a:t>T</a:t>
+                </a:r>
+                <a:r>
+                  <a:rPr lang="en-US" dirty="0">
+                    <a:latin typeface="Cambria Math" panose="02040503050406030204" pitchFamily="18" charset="0"/>
+                    <a:ea typeface="Cambria Math" panose="02040503050406030204" pitchFamily="18" charset="0"/>
+                  </a:rPr>
+                  <a:t> is the number of trees and </a:t>
+                </a:r>
+                <a14:m>
+                  <m:oMath xmlns:m="http://schemas.openxmlformats.org/officeDocument/2006/math">
+                    <m:sSubSup>
+                      <m:sSubSupPr>
+                        <m:ctrlPr>
+                          <a:rPr lang="en-US" i="1">
+                            <a:latin typeface="Cambria Math" panose="02040503050406030204" pitchFamily="18" charset="0"/>
+                            <a:ea typeface="Cambria Math" panose="02040503050406030204" pitchFamily="18" charset="0"/>
+                          </a:rPr>
+                        </m:ctrlPr>
+                      </m:sSubSupPr>
+                      <m:e>
+                        <m:r>
+                          <a:rPr lang="en-US" i="1">
+                            <a:latin typeface="Cambria Math" panose="02040503050406030204" pitchFamily="18" charset="0"/>
+                            <a:ea typeface="Cambria Math" panose="02040503050406030204" pitchFamily="18" charset="0"/>
+                          </a:rPr>
+                          <m:t>𝑤</m:t>
+                        </m:r>
+                      </m:e>
+                      <m:sub>
+                        <m:r>
+                          <a:rPr lang="en-US" i="1">
+                            <a:latin typeface="Cambria Math" panose="02040503050406030204" pitchFamily="18" charset="0"/>
+                            <a:ea typeface="Cambria Math" panose="02040503050406030204" pitchFamily="18" charset="0"/>
+                          </a:rPr>
+                          <m:t>𝑗</m:t>
+                        </m:r>
+                      </m:sub>
+                      <m:sup/>
+                    </m:sSubSup>
+                  </m:oMath>
+                </a14:m>
+                <a:r>
+                  <a:rPr lang="en-US" dirty="0">
+                    <a:latin typeface="Cambria Math" panose="02040503050406030204" pitchFamily="18" charset="0"/>
+                    <a:ea typeface="Cambria Math" panose="02040503050406030204" pitchFamily="18" charset="0"/>
+                  </a:rPr>
+                  <a:t>is the score of tree </a:t>
+                </a:r>
+                <a:r>
+                  <a:rPr lang="en-US" i="1" dirty="0">
+                    <a:latin typeface="Cambria Math" panose="02040503050406030204" pitchFamily="18" charset="0"/>
+                    <a:ea typeface="Cambria Math" panose="02040503050406030204" pitchFamily="18" charset="0"/>
+                  </a:rPr>
+                  <a:t>j</a:t>
+                </a:r>
+              </a:p>
+              <a:p>
+                <a:r>
+                  <a:rPr lang="en-US" dirty="0">
+                    <a:latin typeface="Cambria Math" panose="02040503050406030204" pitchFamily="18" charset="0"/>
+                    <a:ea typeface="Cambria Math" panose="02040503050406030204" pitchFamily="18" charset="0"/>
+                  </a:rPr>
+                  <a:t>Objective function = </a:t>
+                </a:r>
+                <a:r>
+                  <a:rPr lang="en-US" i="1" dirty="0">
+                    <a:latin typeface="Cambria Math" panose="02040503050406030204" pitchFamily="18" charset="0"/>
+                    <a:ea typeface="Cambria Math" panose="02040503050406030204" pitchFamily="18" charset="0"/>
+                  </a:rPr>
+                  <a:t>L </a:t>
+                </a:r>
+                <a:r>
+                  <a:rPr lang="en-US" dirty="0">
+                    <a:latin typeface="Cambria Math" panose="02040503050406030204" pitchFamily="18" charset="0"/>
+                    <a:ea typeface="Cambria Math" panose="02040503050406030204" pitchFamily="18" charset="0"/>
+                  </a:rPr>
+                  <a:t>+</a:t>
+                </a:r>
+                <a:r>
+                  <a:rPr lang="en-US" i="1" dirty="0">
+                    <a:latin typeface="Cambria Math" panose="02040503050406030204" pitchFamily="18" charset="0"/>
+                    <a:ea typeface="Cambria Math" panose="02040503050406030204" pitchFamily="18" charset="0"/>
+                  </a:rPr>
+                  <a:t> </a:t>
+                </a:r>
+                <a14:m>
+                  <m:oMath xmlns:m="http://schemas.openxmlformats.org/officeDocument/2006/math">
+                    <m:r>
+                      <m:rPr>
+                        <m:sty m:val="p"/>
+                      </m:rPr>
+                      <a:rPr lang="el-GR" i="1">
+                        <a:latin typeface="Cambria Math" panose="02040503050406030204" pitchFamily="18" charset="0"/>
+                        <a:ea typeface="Cambria Math" panose="02040503050406030204" pitchFamily="18" charset="0"/>
+                      </a:rPr>
+                      <m:t>Ω</m:t>
+                    </m:r>
+                  </m:oMath>
+                </a14:m>
+                <a:endParaRPr lang="en-US" i="1" dirty="0">
+                  <a:latin typeface="Cambria Math" panose="02040503050406030204" pitchFamily="18" charset="0"/>
+                  <a:ea typeface="Cambria Math" panose="02040503050406030204" pitchFamily="18" charset="0"/>
+                </a:endParaRPr>
+              </a:p>
+              <a:p>
+                <a:r>
+                  <a:rPr lang="en-US" dirty="0">
+                    <a:latin typeface="Cambria Math" panose="02040503050406030204" pitchFamily="18" charset="0"/>
+                    <a:ea typeface="Cambria Math" panose="02040503050406030204" pitchFamily="18" charset="0"/>
+                  </a:rPr>
+                  <a:t>Loss function </a:t>
+                </a:r>
+                <a14:m>
+                  <m:oMath xmlns:m="http://schemas.openxmlformats.org/officeDocument/2006/math">
+                    <m:r>
+                      <a:rPr lang="en-US" b="0" i="1" smtClean="0">
+                        <a:latin typeface="Cambria Math" panose="02040503050406030204" pitchFamily="18" charset="0"/>
+                        <a:ea typeface="Cambria Math" panose="02040503050406030204" pitchFamily="18" charset="0"/>
+                      </a:rPr>
+                      <m:t>𝐿</m:t>
+                    </m:r>
+                    <m:r>
+                      <a:rPr lang="en-US" b="0" i="1" smtClean="0">
+                        <a:latin typeface="Cambria Math" panose="02040503050406030204" pitchFamily="18" charset="0"/>
+                        <a:ea typeface="Cambria Math" panose="02040503050406030204" pitchFamily="18" charset="0"/>
+                      </a:rPr>
+                      <m:t>(</m:t>
+                    </m:r>
+                    <m:sSub>
+                      <m:sSubPr>
+                        <m:ctrlPr>
+                          <a:rPr lang="en-US" b="0" i="1" smtClean="0">
+                            <a:latin typeface="Cambria Math" panose="02040503050406030204" pitchFamily="18" charset="0"/>
+                            <a:ea typeface="Cambria Math" panose="02040503050406030204" pitchFamily="18" charset="0"/>
+                          </a:rPr>
+                        </m:ctrlPr>
+                      </m:sSubPr>
+                      <m:e>
+                        <m:r>
+                          <a:rPr lang="en-US" b="0" i="1" smtClean="0">
+                            <a:latin typeface="Cambria Math" panose="02040503050406030204" pitchFamily="18" charset="0"/>
+                            <a:ea typeface="Cambria Math" panose="02040503050406030204" pitchFamily="18" charset="0"/>
+                          </a:rPr>
+                          <m:t>𝑦</m:t>
+                        </m:r>
+                      </m:e>
+                      <m:sub>
+                        <m:r>
+                          <a:rPr lang="en-US" b="0" i="1" smtClean="0">
+                            <a:latin typeface="Cambria Math" panose="02040503050406030204" pitchFamily="18" charset="0"/>
+                            <a:ea typeface="Cambria Math" panose="02040503050406030204" pitchFamily="18" charset="0"/>
+                          </a:rPr>
+                          <m:t>𝑖</m:t>
+                        </m:r>
+                      </m:sub>
+                    </m:sSub>
+                    <m:r>
+                      <a:rPr lang="en-US" b="0" i="1" smtClean="0">
+                        <a:latin typeface="Cambria Math" panose="02040503050406030204" pitchFamily="18" charset="0"/>
+                        <a:ea typeface="Cambria Math" panose="02040503050406030204" pitchFamily="18" charset="0"/>
+                      </a:rPr>
+                      <m:t>,</m:t>
+                    </m:r>
+                    <m:sSub>
+                      <m:sSubPr>
+                        <m:ctrlPr>
+                          <a:rPr lang="en-US" b="0" i="1" smtClean="0">
+                            <a:latin typeface="Cambria Math" panose="02040503050406030204" pitchFamily="18" charset="0"/>
+                            <a:ea typeface="Cambria Math" panose="02040503050406030204" pitchFamily="18" charset="0"/>
+                          </a:rPr>
+                        </m:ctrlPr>
+                      </m:sSubPr>
+                      <m:e>
+                        <m:acc>
+                          <m:accPr>
+                            <m:chr m:val="̂"/>
+                            <m:ctrlPr>
+                              <a:rPr lang="en-US" b="0" i="1" smtClean="0">
+                                <a:latin typeface="Cambria Math" panose="02040503050406030204" pitchFamily="18" charset="0"/>
+                                <a:ea typeface="Cambria Math" panose="02040503050406030204" pitchFamily="18" charset="0"/>
+                              </a:rPr>
+                            </m:ctrlPr>
+                          </m:accPr>
+                          <m:e>
+                            <m:r>
+                              <a:rPr lang="en-US" b="0" i="1" smtClean="0">
+                                <a:latin typeface="Cambria Math" panose="02040503050406030204" pitchFamily="18" charset="0"/>
+                                <a:ea typeface="Cambria Math" panose="02040503050406030204" pitchFamily="18" charset="0"/>
+                              </a:rPr>
+                              <m:t>𝑦</m:t>
+                            </m:r>
+                          </m:e>
+                        </m:acc>
+                      </m:e>
+                      <m:sub>
+                        <m:r>
+                          <a:rPr lang="en-US" b="0" i="1" smtClean="0">
+                            <a:latin typeface="Cambria Math" panose="02040503050406030204" pitchFamily="18" charset="0"/>
+                            <a:ea typeface="Cambria Math" panose="02040503050406030204" pitchFamily="18" charset="0"/>
+                          </a:rPr>
+                          <m:t>𝑖</m:t>
+                        </m:r>
+                      </m:sub>
+                    </m:sSub>
+                  </m:oMath>
+                </a14:m>
+                <a:r>
+                  <a:rPr lang="en-US" dirty="0">
+                    <a:latin typeface="Cambria Math" panose="02040503050406030204" pitchFamily="18" charset="0"/>
+                    <a:ea typeface="Cambria Math" panose="02040503050406030204" pitchFamily="18" charset="0"/>
+                  </a:rPr>
+                  <a:t>). Assume Squared Error</a:t>
+                </a:r>
+              </a:p>
+              <a:p>
+                <a:pPr marL="0" indent="0" algn="ctr">
+                  <a:buNone/>
+                </a:pPr>
+                <a:r>
+                  <a:rPr lang="en-US" dirty="0">
+                    <a:latin typeface="Cambria Math" panose="02040503050406030204" pitchFamily="18" charset="0"/>
+                    <a:ea typeface="Cambria Math" panose="02040503050406030204" pitchFamily="18" charset="0"/>
+                  </a:rPr>
+                  <a:t>MSE = </a:t>
+                </a:r>
+                <a14:m>
+                  <m:oMath xmlns:m="http://schemas.openxmlformats.org/officeDocument/2006/math">
+                    <m:nary>
+                      <m:naryPr>
+                        <m:chr m:val="∑"/>
+                        <m:subHide m:val="on"/>
+                        <m:supHide m:val="on"/>
+                        <m:ctrlPr>
+                          <a:rPr lang="en-US" i="1" smtClean="0">
+                            <a:latin typeface="Cambria Math" panose="02040503050406030204" pitchFamily="18" charset="0"/>
+                            <a:ea typeface="Cambria Math" panose="02040503050406030204" pitchFamily="18" charset="0"/>
+                          </a:rPr>
+                        </m:ctrlPr>
+                      </m:naryPr>
+                      <m:sub/>
+                      <m:sup/>
+                      <m:e>
+                        <m:r>
+                          <a:rPr lang="en-US" i="1" smtClean="0">
+                            <a:latin typeface="Cambria Math" panose="02040503050406030204" pitchFamily="18" charset="0"/>
+                            <a:ea typeface="Cambria Math" panose="02040503050406030204" pitchFamily="18" charset="0"/>
+                          </a:rPr>
+                          <m:t> </m:t>
+                        </m:r>
+                        <m:r>
+                          <a:rPr lang="en-US" b="0" i="1" smtClean="0">
+                            <a:latin typeface="Cambria Math" panose="02040503050406030204" pitchFamily="18" charset="0"/>
+                            <a:ea typeface="Cambria Math" panose="02040503050406030204" pitchFamily="18" charset="0"/>
+                          </a:rPr>
+                          <m:t>(</m:t>
+                        </m:r>
+                        <m:sSub>
+                          <m:sSubPr>
+                            <m:ctrlPr>
+                              <a:rPr lang="en-US" b="0" i="1" smtClean="0">
+                                <a:latin typeface="Cambria Math" panose="02040503050406030204" pitchFamily="18" charset="0"/>
+                                <a:ea typeface="Cambria Math" panose="02040503050406030204" pitchFamily="18" charset="0"/>
+                              </a:rPr>
+                            </m:ctrlPr>
+                          </m:sSubPr>
+                          <m:e>
+                            <m:r>
+                              <a:rPr lang="en-US" b="0" i="1" smtClean="0">
+                                <a:latin typeface="Cambria Math" panose="02040503050406030204" pitchFamily="18" charset="0"/>
+                                <a:ea typeface="Cambria Math" panose="02040503050406030204" pitchFamily="18" charset="0"/>
+                              </a:rPr>
+                              <m:t>𝑦</m:t>
+                            </m:r>
+                          </m:e>
+                          <m:sub>
+                            <m:r>
+                              <a:rPr lang="en-US" b="0" i="1" smtClean="0">
+                                <a:latin typeface="Cambria Math" panose="02040503050406030204" pitchFamily="18" charset="0"/>
+                                <a:ea typeface="Cambria Math" panose="02040503050406030204" pitchFamily="18" charset="0"/>
+                              </a:rPr>
+                              <m:t>𝑖</m:t>
+                            </m:r>
+                          </m:sub>
+                        </m:sSub>
+                      </m:e>
+                    </m:nary>
+                    <m:r>
+                      <a:rPr lang="en-US" b="0" i="1" smtClean="0">
+                        <a:latin typeface="Cambria Math" panose="02040503050406030204" pitchFamily="18" charset="0"/>
+                        <a:ea typeface="Cambria Math" panose="02040503050406030204" pitchFamily="18" charset="0"/>
+                      </a:rPr>
+                      <m:t>−</m:t>
+                    </m:r>
+                    <m:sSub>
+                      <m:sSubPr>
+                        <m:ctrlPr>
+                          <a:rPr lang="en-US" b="0" i="1" smtClean="0">
+                            <a:latin typeface="Cambria Math" panose="02040503050406030204" pitchFamily="18" charset="0"/>
+                            <a:ea typeface="Cambria Math" panose="02040503050406030204" pitchFamily="18" charset="0"/>
+                          </a:rPr>
+                        </m:ctrlPr>
+                      </m:sSubPr>
+                      <m:e>
+                        <m:acc>
+                          <m:accPr>
+                            <m:chr m:val="̂"/>
+                            <m:ctrlPr>
+                              <a:rPr lang="en-US" b="0" i="1" smtClean="0">
+                                <a:latin typeface="Cambria Math" panose="02040503050406030204" pitchFamily="18" charset="0"/>
+                                <a:ea typeface="Cambria Math" panose="02040503050406030204" pitchFamily="18" charset="0"/>
+                              </a:rPr>
+                            </m:ctrlPr>
+                          </m:accPr>
+                          <m:e>
+                            <m:r>
+                              <a:rPr lang="en-US" b="0" i="1" smtClean="0">
+                                <a:latin typeface="Cambria Math" panose="02040503050406030204" pitchFamily="18" charset="0"/>
+                                <a:ea typeface="Cambria Math" panose="02040503050406030204" pitchFamily="18" charset="0"/>
+                              </a:rPr>
+                              <m:t>𝑦</m:t>
+                            </m:r>
+                          </m:e>
+                        </m:acc>
+                      </m:e>
+                      <m:sub>
+                        <m:r>
+                          <a:rPr lang="en-US" b="0" i="1" smtClean="0">
+                            <a:latin typeface="Cambria Math" panose="02040503050406030204" pitchFamily="18" charset="0"/>
+                            <a:ea typeface="Cambria Math" panose="02040503050406030204" pitchFamily="18" charset="0"/>
+                          </a:rPr>
+                          <m:t>𝑖</m:t>
+                        </m:r>
+                      </m:sub>
+                    </m:sSub>
+                    <m:sSup>
+                      <m:sSupPr>
+                        <m:ctrlPr>
+                          <a:rPr lang="en-US" b="0" i="1" smtClean="0">
+                            <a:latin typeface="Cambria Math" panose="02040503050406030204" pitchFamily="18" charset="0"/>
+                            <a:ea typeface="Cambria Math" panose="02040503050406030204" pitchFamily="18" charset="0"/>
+                          </a:rPr>
+                        </m:ctrlPr>
+                      </m:sSupPr>
+                      <m:e>
+                        <m:r>
+                          <a:rPr lang="en-US" b="0" i="1" smtClean="0">
+                            <a:latin typeface="Cambria Math" panose="02040503050406030204" pitchFamily="18" charset="0"/>
+                            <a:ea typeface="Cambria Math" panose="02040503050406030204" pitchFamily="18" charset="0"/>
+                          </a:rPr>
+                          <m:t>)</m:t>
+                        </m:r>
+                      </m:e>
+                      <m:sup>
+                        <m:r>
+                          <a:rPr lang="en-US" b="0" i="1" smtClean="0">
+                            <a:latin typeface="Cambria Math" panose="02040503050406030204" pitchFamily="18" charset="0"/>
+                            <a:ea typeface="Cambria Math" panose="02040503050406030204" pitchFamily="18" charset="0"/>
+                          </a:rPr>
+                          <m:t>2</m:t>
+                        </m:r>
+                      </m:sup>
+                    </m:sSup>
+                  </m:oMath>
+                </a14:m>
+                <a:r>
+                  <a:rPr lang="en-US" dirty="0">
+                    <a:ea typeface="Cambria Math" panose="02040503050406030204" pitchFamily="18" charset="0"/>
+                  </a:rPr>
+                  <a:t>,</a:t>
+                </a:r>
+              </a:p>
+              <a:p>
+                <a:pPr marL="0" indent="0" algn="ctr">
+                  <a:buNone/>
+                </a:pPr>
+                <a:r>
+                  <a:rPr lang="en-US" dirty="0">
+                    <a:ea typeface="Cambria Math" panose="02040503050406030204" pitchFamily="18" charset="0"/>
+                  </a:rPr>
+                  <a:t> </a:t>
+                </a:r>
+                <a14:m>
+                  <m:oMath xmlns:m="http://schemas.openxmlformats.org/officeDocument/2006/math">
+                    <m:sSub>
+                      <m:sSubPr>
+                        <m:ctrlPr>
+                          <a:rPr lang="en-US" i="1">
+                            <a:latin typeface="Cambria Math" panose="02040503050406030204" pitchFamily="18" charset="0"/>
+                            <a:ea typeface="Cambria Math" panose="02040503050406030204" pitchFamily="18" charset="0"/>
+                          </a:rPr>
+                        </m:ctrlPr>
+                      </m:sSubPr>
+                      <m:e>
+                        <m:acc>
+                          <m:accPr>
+                            <m:chr m:val="̂"/>
+                            <m:ctrlPr>
+                              <a:rPr lang="en-US" i="1">
+                                <a:latin typeface="Cambria Math" panose="02040503050406030204" pitchFamily="18" charset="0"/>
+                                <a:ea typeface="Cambria Math" panose="02040503050406030204" pitchFamily="18" charset="0"/>
+                              </a:rPr>
+                            </m:ctrlPr>
+                          </m:accPr>
+                          <m:e>
+                            <m:r>
+                              <a:rPr lang="en-US" i="1">
+                                <a:latin typeface="Cambria Math" panose="02040503050406030204" pitchFamily="18" charset="0"/>
+                                <a:ea typeface="Cambria Math" panose="02040503050406030204" pitchFamily="18" charset="0"/>
+                              </a:rPr>
+                              <m:t>𝑦</m:t>
+                            </m:r>
+                          </m:e>
+                        </m:acc>
+                      </m:e>
+                      <m:sub>
+                        <m:r>
+                          <a:rPr lang="en-US" i="1">
+                            <a:latin typeface="Cambria Math" panose="02040503050406030204" pitchFamily="18" charset="0"/>
+                            <a:ea typeface="Cambria Math" panose="02040503050406030204" pitchFamily="18" charset="0"/>
+                          </a:rPr>
+                          <m:t>𝑖</m:t>
+                        </m:r>
+                      </m:sub>
+                    </m:sSub>
+                    <m:r>
+                      <a:rPr lang="en-US" i="1">
+                        <a:latin typeface="Cambria Math" panose="02040503050406030204" pitchFamily="18" charset="0"/>
+                        <a:ea typeface="Cambria Math" panose="02040503050406030204" pitchFamily="18" charset="0"/>
+                      </a:rPr>
+                      <m:t>=</m:t>
+                    </m:r>
+                    <m:r>
+                      <a:rPr lang="en-US" i="1">
+                        <a:latin typeface="Cambria Math" panose="02040503050406030204" pitchFamily="18" charset="0"/>
+                        <a:ea typeface="Cambria Math" panose="02040503050406030204" pitchFamily="18" charset="0"/>
+                      </a:rPr>
+                      <m:t>𝑖𝑡h</m:t>
+                    </m:r>
+                    <m:r>
+                      <a:rPr lang="en-US" i="1">
+                        <a:latin typeface="Cambria Math" panose="02040503050406030204" pitchFamily="18" charset="0"/>
+                        <a:ea typeface="Cambria Math" panose="02040503050406030204" pitchFamily="18" charset="0"/>
+                      </a:rPr>
+                      <m:t> </m:t>
+                    </m:r>
+                    <m:r>
+                      <a:rPr lang="en-US" i="1">
+                        <a:latin typeface="Cambria Math" panose="02040503050406030204" pitchFamily="18" charset="0"/>
+                        <a:ea typeface="Cambria Math" panose="02040503050406030204" pitchFamily="18" charset="0"/>
+                      </a:rPr>
+                      <m:t>𝑡𝑎𝑟𝑔𝑒𝑡</m:t>
+                    </m:r>
+                    <m:r>
+                      <a:rPr lang="en-US" i="1">
+                        <a:latin typeface="Cambria Math" panose="02040503050406030204" pitchFamily="18" charset="0"/>
+                        <a:ea typeface="Cambria Math" panose="02040503050406030204" pitchFamily="18" charset="0"/>
+                      </a:rPr>
+                      <m:t> </m:t>
+                    </m:r>
+                    <m:r>
+                      <a:rPr lang="en-US" i="1">
+                        <a:latin typeface="Cambria Math" panose="02040503050406030204" pitchFamily="18" charset="0"/>
+                        <a:ea typeface="Cambria Math" panose="02040503050406030204" pitchFamily="18" charset="0"/>
+                      </a:rPr>
+                      <m:t>𝑣𝑎𝑙𝑢𝑒</m:t>
+                    </m:r>
+                  </m:oMath>
+                </a14:m>
+                <a:r>
+                  <a:rPr lang="en-US" dirty="0">
+                    <a:ea typeface="Cambria Math" panose="02040503050406030204" pitchFamily="18" charset="0"/>
+                  </a:rPr>
+                  <a:t>, </a:t>
+                </a:r>
+                <a14:m>
+                  <m:oMath xmlns:m="http://schemas.openxmlformats.org/officeDocument/2006/math">
+                    <m:sSub>
+                      <m:sSubPr>
+                        <m:ctrlPr>
+                          <a:rPr lang="en-US" i="1">
+                            <a:latin typeface="Cambria Math" panose="02040503050406030204" pitchFamily="18" charset="0"/>
+                            <a:ea typeface="Cambria Math" panose="02040503050406030204" pitchFamily="18" charset="0"/>
+                          </a:rPr>
+                        </m:ctrlPr>
+                      </m:sSubPr>
+                      <m:e>
+                        <m:r>
+                          <a:rPr lang="en-US" i="1">
+                            <a:latin typeface="Cambria Math" panose="02040503050406030204" pitchFamily="18" charset="0"/>
+                            <a:ea typeface="Cambria Math" panose="02040503050406030204" pitchFamily="18" charset="0"/>
+                          </a:rPr>
+                          <m:t>𝑦</m:t>
+                        </m:r>
+                      </m:e>
+                      <m:sub>
+                        <m:r>
+                          <a:rPr lang="en-US" i="1">
+                            <a:latin typeface="Cambria Math" panose="02040503050406030204" pitchFamily="18" charset="0"/>
+                            <a:ea typeface="Cambria Math" panose="02040503050406030204" pitchFamily="18" charset="0"/>
+                          </a:rPr>
+                          <m:t>𝑖</m:t>
+                        </m:r>
+                      </m:sub>
+                    </m:sSub>
+                    <m:r>
+                      <a:rPr lang="en-US" i="1">
+                        <a:latin typeface="Cambria Math" panose="02040503050406030204" pitchFamily="18" charset="0"/>
+                        <a:ea typeface="Cambria Math" panose="02040503050406030204" pitchFamily="18" charset="0"/>
+                      </a:rPr>
+                      <m:t>=</m:t>
+                    </m:r>
+                    <m:r>
+                      <a:rPr lang="en-US" i="1">
+                        <a:latin typeface="Cambria Math" panose="02040503050406030204" pitchFamily="18" charset="0"/>
+                        <a:ea typeface="Cambria Math" panose="02040503050406030204" pitchFamily="18" charset="0"/>
+                      </a:rPr>
+                      <m:t>𝑖𝑡h</m:t>
+                    </m:r>
+                    <m:r>
+                      <a:rPr lang="en-US" i="1">
+                        <a:latin typeface="Cambria Math" panose="02040503050406030204" pitchFamily="18" charset="0"/>
+                        <a:ea typeface="Cambria Math" panose="02040503050406030204" pitchFamily="18" charset="0"/>
+                      </a:rPr>
+                      <m:t> </m:t>
+                    </m:r>
+                    <m:r>
+                      <a:rPr lang="en-US" i="1">
+                        <a:latin typeface="Cambria Math" panose="02040503050406030204" pitchFamily="18" charset="0"/>
+                        <a:ea typeface="Cambria Math" panose="02040503050406030204" pitchFamily="18" charset="0"/>
+                      </a:rPr>
+                      <m:t>𝑝𝑟𝑒𝑑𝑖𝑐𝑡𝑖𝑜𝑛</m:t>
+                    </m:r>
+                  </m:oMath>
+                </a14:m>
+                <a:endParaRPr lang="en-US" dirty="0">
+                  <a:latin typeface="Cambria Math" panose="02040503050406030204" pitchFamily="18" charset="0"/>
+                  <a:ea typeface="Cambria Math" panose="02040503050406030204" pitchFamily="18" charset="0"/>
+                </a:endParaRPr>
+              </a:p>
+              <a:p>
+                <a:r>
+                  <a:rPr lang="en-US" dirty="0">
+                    <a:latin typeface="Cambria Math" panose="02040503050406030204" pitchFamily="18" charset="0"/>
+                    <a:ea typeface="Cambria Math" panose="02040503050406030204" pitchFamily="18" charset="0"/>
+                  </a:rPr>
+                  <a:t>Use gradient descent: </a:t>
+                </a:r>
+              </a:p>
+              <a:p>
+                <a:pPr marL="0" indent="0">
+                  <a:buNone/>
+                </a:pPr>
+                <a:endParaRPr lang="en-US" dirty="0">
+                  <a:latin typeface="Cambria Math" panose="02040503050406030204" pitchFamily="18" charset="0"/>
+                  <a:ea typeface="Cambria Math" panose="02040503050406030204" pitchFamily="18" charset="0"/>
+                </a:endParaRPr>
+              </a:p>
+            </p:txBody>
+          </p:sp>
+        </mc:Choice>
+        <mc:Fallback xmlns="">
+          <p:sp>
+            <p:nvSpPr>
+              <p:cNvPr id="3" name="Content Placeholder 2">
+                <a:extLst>
+                  <a:ext uri="{FF2B5EF4-FFF2-40B4-BE49-F238E27FC236}">
+                    <a16:creationId xmlns:a16="http://schemas.microsoft.com/office/drawing/2014/main" id="{1404FB81-6A8F-3C44-BED5-63101E822073}"/>
+                  </a:ext>
+                </a:extLst>
+              </p:cNvPr>
+              <p:cNvSpPr>
+                <a:spLocks noGrp="1" noRot="1" noChangeAspect="1" noMove="1" noResize="1" noEditPoints="1" noAdjustHandles="1" noChangeArrowheads="1" noChangeShapeType="1" noTextEdit="1"/>
+              </p:cNvSpPr>
+              <p:nvPr>
+                <p:ph idx="1"/>
+              </p:nvPr>
+            </p:nvSpPr>
+            <p:spPr>
+              <a:xfrm>
+                <a:off x="864524" y="1714500"/>
+                <a:ext cx="10260676" cy="4807324"/>
+              </a:xfrm>
+              <a:blipFill>
+                <a:blip r:embed="rId2"/>
+                <a:stretch>
+                  <a:fillRect l="-618" t="-1579"/>
+                </a:stretch>
+              </a:blipFill>
+            </p:spPr>
+            <p:txBody>
+              <a:bodyPr/>
+              <a:lstStyle/>
+              <a:p>
+                <a:r>
+                  <a:rPr lang="en-US">
+                    <a:noFill/>
+                  </a:rPr>
+                  <a:t> </a:t>
+                </a:r>
+              </a:p>
+            </p:txBody>
+          </p:sp>
+        </mc:Fallback>
+      </mc:AlternateContent>
     </p:spTree>
     <p:extLst>
       <p:ext uri="{BB962C8B-B14F-4D97-AF65-F5344CB8AC3E}">
-        <p14:creationId xmlns:p14="http://schemas.microsoft.com/office/powerpoint/2010/main" val="1410277775"/>
+        <p14:creationId xmlns:p14="http://schemas.microsoft.com/office/powerpoint/2010/main" val="3760060155"/>
       </p:ext>
     </p:extLst>
   </p:cSld>
@@ -5349,7 +8115,13 @@
       </p:grpSpPr>
       <p:sp>
         <p:nvSpPr>
-          <p:cNvPr id="2" name="Title 1"/>
+          <p:cNvPr id="2" name="Title 1">
+            <a:extLst>
+              <a:ext uri="{FF2B5EF4-FFF2-40B4-BE49-F238E27FC236}">
+                <a16:creationId xmlns:a16="http://schemas.microsoft.com/office/drawing/2014/main" id="{DBEB9C24-7F7E-974C-BF75-DC6150AC74CC}"/>
+              </a:ext>
+            </a:extLst>
+          </p:cNvPr>
           <p:cNvSpPr>
             <a:spLocks noGrp="1"/>
           </p:cNvSpPr>
@@ -5363,15 +8135,22 @@
           <a:lstStyle/>
           <a:p>
             <a:r>
-              <a:rPr lang="en-US" dirty="0"/>
-              <a:t>Work cited</a:t>
-            </a:r>
+              <a:rPr lang="en-US" dirty="0" err="1"/>
+              <a:t>LightGBM</a:t>
+            </a:r>
+            <a:endParaRPr lang="en-US" dirty="0"/>
           </a:p>
         </p:txBody>
       </p:sp>
       <p:sp>
         <p:nvSpPr>
-          <p:cNvPr id="3" name="Content Placeholder 2"/>
+          <p:cNvPr id="3" name="Content Placeholder 2">
+            <a:extLst>
+              <a:ext uri="{FF2B5EF4-FFF2-40B4-BE49-F238E27FC236}">
+                <a16:creationId xmlns:a16="http://schemas.microsoft.com/office/drawing/2014/main" id="{377F50D0-DDC7-F442-8E13-2DA46E916A46}"/>
+              </a:ext>
+            </a:extLst>
+          </p:cNvPr>
           <p:cNvSpPr>
             <a:spLocks noGrp="1"/>
           </p:cNvSpPr>
@@ -5379,33 +8158,51 @@
             <p:ph idx="1"/>
           </p:nvPr>
         </p:nvSpPr>
-        <p:spPr>
-          <a:xfrm>
-            <a:off x="954827" y="1681531"/>
-            <a:ext cx="10058400" cy="1543807"/>
-          </a:xfrm>
-        </p:spPr>
+        <p:spPr/>
         <p:txBody>
-          <a:bodyPr/>
+          <a:bodyPr>
+            <a:normAutofit/>
+          </a:bodyPr>
           <a:lstStyle/>
           <a:p>
             <a:r>
-              <a:rPr lang="en-US" dirty="0" err="1"/>
-              <a:t>Autoencoders</a:t>
-            </a:r>
-            <a:r>
-              <a:rPr lang="en-US" dirty="0"/>
-              <a:t> were first introduced in the 1980s by </a:t>
-            </a:r>
-            <a:r>
-              <a:rPr lang="en-US" dirty="0">
-                <a:hlinkClick r:id="rId3"/>
-              </a:rPr>
-              <a:t>Hinton</a:t>
-            </a:r>
-            <a:r>
-              <a:rPr lang="en-US" dirty="0"/>
-              <a:t>. </a:t>
+              <a:rPr lang="en-US" sz="2600" dirty="0"/>
+              <a:t>Features:</a:t>
+            </a:r>
+          </a:p>
+          <a:p>
+            <a:pPr lvl="1"/>
+            <a:r>
+              <a:rPr lang="en-US" sz="2400" dirty="0"/>
+              <a:t>Faster training speed and higher efficiency</a:t>
+            </a:r>
+          </a:p>
+          <a:p>
+            <a:pPr lvl="1"/>
+            <a:r>
+              <a:rPr lang="en-US" sz="2400" dirty="0"/>
+              <a:t>Lower memory usage</a:t>
+            </a:r>
+          </a:p>
+          <a:p>
+            <a:pPr lvl="1"/>
+            <a:r>
+              <a:rPr lang="en-US" sz="2400" dirty="0"/>
+              <a:t>Compatibility with large datasets</a:t>
+            </a:r>
+          </a:p>
+          <a:p>
+            <a:pPr lvl="1"/>
+            <a:r>
+              <a:rPr lang="en-US" sz="2400" dirty="0"/>
+              <a:t>Parallel learning supported</a:t>
+            </a:r>
+          </a:p>
+          <a:p>
+            <a:pPr lvl="1"/>
+            <a:r>
+              <a:rPr lang="en-US" sz="2400" dirty="0"/>
+              <a:t>Better accuracy than GBM/XGB</a:t>
             </a:r>
           </a:p>
         </p:txBody>
@@ -5413,7 +8210,7 @@
     </p:spTree>
     <p:extLst>
       <p:ext uri="{BB962C8B-B14F-4D97-AF65-F5344CB8AC3E}">
-        <p14:creationId xmlns:p14="http://schemas.microsoft.com/office/powerpoint/2010/main" val="2325154954"/>
+        <p14:creationId xmlns:p14="http://schemas.microsoft.com/office/powerpoint/2010/main" val="924944589"/>
       </p:ext>
     </p:extLst>
   </p:cSld>
